--- a/Presentations/Module 04 - Error Handling.pptx
+++ b/Presentations/Module 04 - Error Handling.pptx
@@ -8,10 +8,10 @@
     <p:sldMasterId id="2147484319" r:id="rId8"/>
   </p:sldMasterIdLst>
   <p:notesMasterIdLst>
-    <p:notesMasterId r:id="rId23"/>
+    <p:notesMasterId r:id="rId27"/>
   </p:notesMasterIdLst>
   <p:handoutMasterIdLst>
-    <p:handoutMasterId r:id="rId24"/>
+    <p:handoutMasterId r:id="rId28"/>
   </p:handoutMasterIdLst>
   <p:sldIdLst>
     <p:sldId id="256" r:id="rId9"/>
@@ -19,15 +19,19 @@
     <p:sldId id="316" r:id="rId11"/>
     <p:sldId id="398" r:id="rId12"/>
     <p:sldId id="400" r:id="rId13"/>
-    <p:sldId id="399" r:id="rId14"/>
-    <p:sldId id="403" r:id="rId15"/>
-    <p:sldId id="401" r:id="rId16"/>
-    <p:sldId id="402" r:id="rId17"/>
-    <p:sldId id="404" r:id="rId18"/>
-    <p:sldId id="405" r:id="rId19"/>
-    <p:sldId id="406" r:id="rId20"/>
-    <p:sldId id="407" r:id="rId21"/>
-    <p:sldId id="268" r:id="rId22"/>
+    <p:sldId id="409" r:id="rId14"/>
+    <p:sldId id="399" r:id="rId15"/>
+    <p:sldId id="403" r:id="rId16"/>
+    <p:sldId id="401" r:id="rId17"/>
+    <p:sldId id="402" r:id="rId18"/>
+    <p:sldId id="410" r:id="rId19"/>
+    <p:sldId id="404" r:id="rId20"/>
+    <p:sldId id="405" r:id="rId21"/>
+    <p:sldId id="411" r:id="rId22"/>
+    <p:sldId id="406" r:id="rId23"/>
+    <p:sldId id="407" r:id="rId24"/>
+    <p:sldId id="408" r:id="rId25"/>
+    <p:sldId id="268" r:id="rId26"/>
   </p:sldIdLst>
   <p:sldSz cx="12436475" cy="6994525"/>
   <p:notesSz cx="6858000" cy="9144000"/>
@@ -490,7 +494,7 @@
               <a:rPr lang="en-US" smtClean="0">
                 <a:latin typeface="Segoe UI" pitchFamily="34" charset="0"/>
               </a:rPr>
-              <a:t>2018-05-23 7:46 AM</a:t>
+              <a:t>2023-01-04 4:47 PM</a:t>
             </a:fld>
             <a:endParaRPr lang="en-US" dirty="0">
               <a:latin typeface="Segoe UI" pitchFamily="34" charset="0"/>
@@ -768,7 +772,7 @@
           <a:p>
             <a:fld id="{38EEC551-8CDA-4EB6-89BB-2A86C9F091C8}" type="datetime8">
               <a:rPr lang="en-US" smtClean="0"/>
-              <a:t>2018-05-23 7:46 AM</a:t>
+              <a:t>2023-01-04 4:47 PM</a:t>
             </a:fld>
             <a:endParaRPr lang="en-US" dirty="0"/>
           </a:p>
@@ -1135,7 +1139,7 @@
           <a:p>
             <a:fld id="{6D0596E5-6523-4DD8-A9ED-0418BD42519C}" type="datetime8">
               <a:rPr lang="en-US" smtClean="0"/>
-              <a:t>2018-05-23 7:46 AM</a:t>
+              <a:t>2023-01-04 4:47 PM</a:t>
             </a:fld>
             <a:endParaRPr lang="en-US" dirty="0"/>
           </a:p>
@@ -1320,7 +1324,7 @@
           <a:p>
             <a:fld id="{38EEC551-8CDA-4EB6-89BB-2A86C9F091C8}" type="datetime8">
               <a:rPr lang="en-US" smtClean="0"/>
-              <a:t>2018-05-23 7:46 AM</a:t>
+              <a:t>2023-01-04 4:47 PM</a:t>
             </a:fld>
             <a:endParaRPr lang="en-US" dirty="0"/>
           </a:p>
@@ -1344,7 +1348,7 @@
             <a:fld id="{B4008EB6-D09E-4580-8CD6-DDB14511944F}" type="slidenum">
               <a:rPr lang="en-US" smtClean="0"/>
               <a:pPr/>
-              <a:t>11</a:t>
+              <a:t>13</a:t>
             </a:fld>
             <a:endParaRPr lang="en-US" dirty="0"/>
           </a:p>
@@ -1409,7 +1413,19 @@
           <a:p>
             <a:r>
               <a:rPr lang="en-US" dirty="0"/>
-              <a:t>https://docs.microsoft.com/en-us/sql/integration-services/packages/restart-packages-by-using-checkpoints?view=sql-server-2017</a:t>
+              <a:t>The package property will force a new transaction to be created for the entire package.</a:t>
+            </a:r>
+          </a:p>
+          <a:p>
+            <a:r>
+              <a:rPr lang="en-US" dirty="0"/>
+              <a:t>However, since a child container does not support transitions but the task in the container does.  It will create a new transaction – it cannot join the package transaction.</a:t>
+            </a:r>
+          </a:p>
+          <a:p>
+            <a:r>
+              <a:rPr lang="en-US" dirty="0"/>
+              <a:t>Now Task transaction is intendent of package.</a:t>
             </a:r>
             <a:endParaRPr lang="en-CA" dirty="0"/>
           </a:p>
@@ -1505,7 +1521,7 @@
           <a:p>
             <a:fld id="{38EEC551-8CDA-4EB6-89BB-2A86C9F091C8}" type="datetime8">
               <a:rPr lang="en-US" smtClean="0"/>
-              <a:t>2018-05-23 7:46 AM</a:t>
+              <a:t>2023-01-06 5:17 AM</a:t>
             </a:fld>
             <a:endParaRPr lang="en-US" dirty="0"/>
           </a:p>
@@ -1529,7 +1545,7 @@
             <a:fld id="{B4008EB6-D09E-4580-8CD6-DDB14511944F}" type="slidenum">
               <a:rPr lang="en-US" smtClean="0"/>
               <a:pPr/>
-              <a:t>12</a:t>
+              <a:t>14</a:t>
             </a:fld>
             <a:endParaRPr lang="en-US" dirty="0"/>
           </a:p>
@@ -1538,7 +1554,7 @@
     </p:spTree>
     <p:extLst>
       <p:ext uri="{BB962C8B-B14F-4D97-AF65-F5344CB8AC3E}">
-        <p14:creationId xmlns:p14="http://schemas.microsoft.com/office/powerpoint/2010/main" val="4048352041"/>
+        <p14:creationId xmlns:p14="http://schemas.microsoft.com/office/powerpoint/2010/main" val="444712379"/>
       </p:ext>
     </p:extLst>
   </p:cSld>
@@ -1594,8 +1610,29 @@
           <a:p>
             <a:r>
               <a:rPr lang="en-US" dirty="0"/>
-              <a:t>https://docs.Microsoft.com/en-us/sql/integration-services/packages/restart-packages-by-using-checkpoints?view=sql-server-2017</a:t>
-            </a:r>
+              <a:t>https://docs.microsoft.com/en-us/sql/integration-services/packages/restart-packages-by-using-checkpoints?view=sql-server-2017</a:t>
+            </a:r>
+          </a:p>
+          <a:p>
+            <a:r>
+              <a:rPr lang="en-CA" dirty="0">
+                <a:hlinkClick r:id="rId3"/>
+              </a:rPr>
+              <a:t>SSIS Checkpoints are not honored for </a:t>
+            </a:r>
+            <a:r>
+              <a:rPr lang="en-CA" dirty="0" err="1">
+                <a:hlinkClick r:id="rId3"/>
+              </a:rPr>
+              <a:t>For</a:t>
+            </a:r>
+            <a:r>
+              <a:rPr lang="en-CA" dirty="0">
+                <a:hlinkClick r:id="rId3"/>
+              </a:rPr>
+              <a:t> Loop items - SQL Server | Microsoft Learn</a:t>
+            </a:r>
+            <a:endParaRPr lang="en-CA" dirty="0"/>
           </a:p>
         </p:txBody>
       </p:sp>
@@ -1689,7 +1726,7 @@
           <a:p>
             <a:fld id="{38EEC551-8CDA-4EB6-89BB-2A86C9F091C8}" type="datetime8">
               <a:rPr lang="en-US" smtClean="0"/>
-              <a:t>2018-05-23 7:46 AM</a:t>
+              <a:t>2023-01-04 4:47 PM</a:t>
             </a:fld>
             <a:endParaRPr lang="en-US" dirty="0"/>
           </a:p>
@@ -1713,7 +1750,7 @@
             <a:fld id="{B4008EB6-D09E-4580-8CD6-DDB14511944F}" type="slidenum">
               <a:rPr lang="en-US" smtClean="0"/>
               <a:pPr/>
-              <a:t>13</a:t>
+              <a:t>15</a:t>
             </a:fld>
             <a:endParaRPr lang="en-US" dirty="0"/>
           </a:p>
@@ -1722,7 +1759,7 @@
     </p:spTree>
     <p:extLst>
       <p:ext uri="{BB962C8B-B14F-4D97-AF65-F5344CB8AC3E}">
-        <p14:creationId xmlns:p14="http://schemas.microsoft.com/office/powerpoint/2010/main" val="427024460"/>
+        <p14:creationId xmlns:p14="http://schemas.microsoft.com/office/powerpoint/2010/main" val="4048352041"/>
       </p:ext>
     </p:extLst>
   </p:cSld>
@@ -1759,6 +1796,190 @@
             <p:ph type="sldImg"/>
           </p:nvPr>
         </p:nvSpPr>
+        <p:spPr/>
+      </p:sp>
+      <p:sp>
+        <p:nvSpPr>
+          <p:cNvPr id="3" name="Notes Placeholder 2"/>
+          <p:cNvSpPr>
+            <a:spLocks noGrp="1"/>
+          </p:cNvSpPr>
+          <p:nvPr>
+            <p:ph type="body" idx="1"/>
+          </p:nvPr>
+        </p:nvSpPr>
+        <p:spPr/>
+        <p:txBody>
+          <a:bodyPr/>
+          <a:lstStyle/>
+          <a:p>
+            <a:r>
+              <a:rPr lang="en-US" dirty="0"/>
+              <a:t>https://docs.Microsoft.com/en-us/sql/integration-services/packages/restart-packages-by-using-checkpoints?view=sql-server-2017</a:t>
+            </a:r>
+          </a:p>
+        </p:txBody>
+      </p:sp>
+      <p:sp>
+        <p:nvSpPr>
+          <p:cNvPr id="4" name="Header Placeholder 3"/>
+          <p:cNvSpPr>
+            <a:spLocks noGrp="1"/>
+          </p:cNvSpPr>
+          <p:nvPr>
+            <p:ph type="hdr" sz="quarter" idx="10"/>
+          </p:nvPr>
+        </p:nvSpPr>
+        <p:spPr/>
+        <p:txBody>
+          <a:bodyPr/>
+          <a:lstStyle/>
+          <a:p>
+            <a:endParaRPr lang="en-US" dirty="0"/>
+          </a:p>
+        </p:txBody>
+      </p:sp>
+      <p:sp>
+        <p:nvSpPr>
+          <p:cNvPr id="5" name="Footer Placeholder 4"/>
+          <p:cNvSpPr>
+            <a:spLocks noGrp="1"/>
+          </p:cNvSpPr>
+          <p:nvPr>
+            <p:ph type="ftr" sz="quarter" idx="11"/>
+          </p:nvPr>
+        </p:nvSpPr>
+        <p:spPr/>
+        <p:txBody>
+          <a:bodyPr/>
+          <a:lstStyle/>
+          <a:p>
+            <a:pPr defTabSz="914099" eaLnBrk="0" hangingPunct="0"/>
+            <a:r>
+              <a:rPr lang="en-US" sz="400">
+                <a:gradFill>
+                  <a:gsLst>
+                    <a:gs pos="0">
+                      <a:prstClr val="black"/>
+                    </a:gs>
+                    <a:gs pos="100000">
+                      <a:prstClr val="black"/>
+                    </a:gs>
+                  </a:gsLst>
+                  <a:lin ang="5400000" scaled="0"/>
+                </a:gradFill>
+                <a:latin typeface="Segoe UI" pitchFamily="34" charset="0"/>
+                <a:ea typeface="Segoe UI" pitchFamily="34" charset="0"/>
+                <a:cs typeface="Segoe UI" pitchFamily="34" charset="0"/>
+              </a:rPr>
+              <a:t>© 2014 Microsoft Corporation. All rights reserved. MICROSOFT MAKES NO WARRANTIES, EXPRESS, IMPLIED OR STATUTORY, AS TO THE INFORMATION IN THIS PRESENTATION.</a:t>
+            </a:r>
+            <a:endParaRPr lang="en-US" sz="400" dirty="0">
+              <a:gradFill>
+                <a:gsLst>
+                  <a:gs pos="0">
+                    <a:prstClr val="black"/>
+                  </a:gs>
+                  <a:gs pos="100000">
+                    <a:prstClr val="black"/>
+                  </a:gs>
+                </a:gsLst>
+                <a:lin ang="5400000" scaled="0"/>
+              </a:gradFill>
+              <a:latin typeface="Segoe UI" pitchFamily="34" charset="0"/>
+              <a:ea typeface="Segoe UI" pitchFamily="34" charset="0"/>
+              <a:cs typeface="Segoe UI" pitchFamily="34" charset="0"/>
+            </a:endParaRPr>
+          </a:p>
+        </p:txBody>
+      </p:sp>
+      <p:sp>
+        <p:nvSpPr>
+          <p:cNvPr id="6" name="Date Placeholder 5"/>
+          <p:cNvSpPr>
+            <a:spLocks noGrp="1"/>
+          </p:cNvSpPr>
+          <p:nvPr>
+            <p:ph type="dt" idx="12"/>
+          </p:nvPr>
+        </p:nvSpPr>
+        <p:spPr/>
+        <p:txBody>
+          <a:bodyPr/>
+          <a:lstStyle/>
+          <a:p>
+            <a:fld id="{38EEC551-8CDA-4EB6-89BB-2A86C9F091C8}" type="datetime8">
+              <a:rPr lang="en-US" smtClean="0"/>
+              <a:t>2023-01-04 4:47 PM</a:t>
+            </a:fld>
+            <a:endParaRPr lang="en-US" dirty="0"/>
+          </a:p>
+        </p:txBody>
+      </p:sp>
+      <p:sp>
+        <p:nvSpPr>
+          <p:cNvPr id="7" name="Slide Number Placeholder 6"/>
+          <p:cNvSpPr>
+            <a:spLocks noGrp="1"/>
+          </p:cNvSpPr>
+          <p:nvPr>
+            <p:ph type="sldNum" sz="quarter" idx="13"/>
+          </p:nvPr>
+        </p:nvSpPr>
+        <p:spPr/>
+        <p:txBody>
+          <a:bodyPr/>
+          <a:lstStyle/>
+          <a:p>
+            <a:fld id="{B4008EB6-D09E-4580-8CD6-DDB14511944F}" type="slidenum">
+              <a:rPr lang="en-US" smtClean="0"/>
+              <a:pPr/>
+              <a:t>16</a:t>
+            </a:fld>
+            <a:endParaRPr lang="en-US" dirty="0"/>
+          </a:p>
+        </p:txBody>
+      </p:sp>
+    </p:spTree>
+    <p:extLst>
+      <p:ext uri="{BB962C8B-B14F-4D97-AF65-F5344CB8AC3E}">
+        <p14:creationId xmlns:p14="http://schemas.microsoft.com/office/powerpoint/2010/main" val="427024460"/>
+      </p:ext>
+    </p:extLst>
+  </p:cSld>
+  <p:clrMapOvr>
+    <a:masterClrMapping/>
+  </p:clrMapOvr>
+</p:notes>
+</file>
+
+<file path=ppt/notesSlides/notesSlide14.xml><?xml version="1.0" encoding="utf-8"?>
+<p:notes xmlns:a="http://schemas.openxmlformats.org/drawingml/2006/main" xmlns:r="http://schemas.openxmlformats.org/officeDocument/2006/relationships" xmlns:p="http://schemas.openxmlformats.org/presentationml/2006/main">
+  <p:cSld>
+    <p:spTree>
+      <p:nvGrpSpPr>
+        <p:cNvPr id="1" name=""/>
+        <p:cNvGrpSpPr/>
+        <p:nvPr/>
+      </p:nvGrpSpPr>
+      <p:grpSpPr>
+        <a:xfrm>
+          <a:off x="0" y="0"/>
+          <a:ext cx="0" cy="0"/>
+          <a:chOff x="0" y="0"/>
+          <a:chExt cx="0" cy="0"/>
+        </a:xfrm>
+      </p:grpSpPr>
+      <p:sp>
+        <p:nvSpPr>
+          <p:cNvPr id="2" name="Slide Image Placeholder 1"/>
+          <p:cNvSpPr>
+            <a:spLocks noGrp="1" noRot="1" noChangeAspect="1"/>
+          </p:cNvSpPr>
+          <p:nvPr>
+            <p:ph type="sldImg"/>
+          </p:nvPr>
+        </p:nvSpPr>
         <p:spPr>
           <a:xfrm>
             <a:off x="381000" y="685800"/>
@@ -1839,7 +2060,7 @@
                   <a:prstClr val="black"/>
                 </a:solidFill>
               </a:rPr>
-              <a:t>2018-05-23 7:46 AM</a:t>
+              <a:t>2023-01-04 4:47 PM</a:t>
             </a:fld>
             <a:endParaRPr lang="en-US" dirty="0">
               <a:solidFill>
@@ -1871,7 +2092,7 @@
                 </a:solidFill>
               </a:rPr>
               <a:pPr/>
-              <a:t>14</a:t>
+              <a:t>18</a:t>
             </a:fld>
             <a:endParaRPr lang="en-US" dirty="0">
               <a:solidFill>
@@ -2131,7 +2352,7 @@
           <a:p>
             <a:fld id="{38EEC551-8CDA-4EB6-89BB-2A86C9F091C8}" type="datetime8">
               <a:rPr lang="en-US" smtClean="0"/>
-              <a:t>2018-05-23 7:46 AM</a:t>
+              <a:t>2023-01-04 4:47 PM</a:t>
             </a:fld>
             <a:endParaRPr lang="en-US" dirty="0"/>
           </a:p>
@@ -2312,7 +2533,7 @@
           <a:p>
             <a:fld id="{38EEC551-8CDA-4EB6-89BB-2A86C9F091C8}" type="datetime8">
               <a:rPr lang="en-US" smtClean="0"/>
-              <a:t>2018-05-23 7:46 AM</a:t>
+              <a:t>2023-01-04 4:47 PM</a:t>
             </a:fld>
             <a:endParaRPr lang="en-US" dirty="0"/>
           </a:p>
@@ -2499,7 +2720,7 @@
           <a:p>
             <a:fld id="{38EEC551-8CDA-4EB6-89BB-2A86C9F091C8}" type="datetime8">
               <a:rPr lang="en-US" smtClean="0"/>
-              <a:t>2018-05-23 7:46 AM</a:t>
+              <a:t>2023-01-04 4:47 PM</a:t>
             </a:fld>
             <a:endParaRPr lang="en-US" dirty="0"/>
           </a:p>
@@ -2523,7 +2744,7 @@
             <a:fld id="{B4008EB6-D09E-4580-8CD6-DDB14511944F}" type="slidenum">
               <a:rPr lang="en-US" smtClean="0"/>
               <a:pPr/>
-              <a:t>6</a:t>
+              <a:t>7</a:t>
             </a:fld>
             <a:endParaRPr lang="en-US" dirty="0"/>
           </a:p>
@@ -3079,7 +3300,7 @@
           <a:p>
             <a:fld id="{38EEC551-8CDA-4EB6-89BB-2A86C9F091C8}" type="datetime8">
               <a:rPr lang="en-US" smtClean="0"/>
-              <a:t>2018-05-23 7:46 AM</a:t>
+              <a:t>2023-01-04 4:47 PM</a:t>
             </a:fld>
             <a:endParaRPr lang="en-US" dirty="0"/>
           </a:p>
@@ -3103,7 +3324,7 @@
             <a:fld id="{B4008EB6-D09E-4580-8CD6-DDB14511944F}" type="slidenum">
               <a:rPr lang="en-US" smtClean="0"/>
               <a:pPr/>
-              <a:t>7</a:t>
+              <a:t>8</a:t>
             </a:fld>
             <a:endParaRPr lang="en-US" dirty="0"/>
           </a:p>
@@ -3263,7 +3484,7 @@
           <a:p>
             <a:fld id="{38EEC551-8CDA-4EB6-89BB-2A86C9F091C8}" type="datetime8">
               <a:rPr lang="en-US" smtClean="0"/>
-              <a:t>2018-05-23 7:46 AM</a:t>
+              <a:t>2023-01-04 4:47 PM</a:t>
             </a:fld>
             <a:endParaRPr lang="en-US" dirty="0"/>
           </a:p>
@@ -3287,7 +3508,7 @@
             <a:fld id="{B4008EB6-D09E-4580-8CD6-DDB14511944F}" type="slidenum">
               <a:rPr lang="en-US" smtClean="0"/>
               <a:pPr/>
-              <a:t>8</a:t>
+              <a:t>9</a:t>
             </a:fld>
             <a:endParaRPr lang="en-US" dirty="0"/>
           </a:p>
@@ -3459,7 +3680,7 @@
           <a:p>
             <a:fld id="{38EEC551-8CDA-4EB6-89BB-2A86C9F091C8}" type="datetime8">
               <a:rPr lang="en-US" smtClean="0"/>
-              <a:t>2018-05-23 7:46 AM</a:t>
+              <a:t>2023-01-04 4:47 PM</a:t>
             </a:fld>
             <a:endParaRPr lang="en-US" dirty="0"/>
           </a:p>
@@ -3483,7 +3704,7 @@
             <a:fld id="{B4008EB6-D09E-4580-8CD6-DDB14511944F}" type="slidenum">
               <a:rPr lang="en-US" smtClean="0"/>
               <a:pPr/>
-              <a:t>9</a:t>
+              <a:t>10</a:t>
             </a:fld>
             <a:endParaRPr lang="en-US" dirty="0"/>
           </a:p>
@@ -3644,7 +3865,7 @@
           <a:p>
             <a:fld id="{38EEC551-8CDA-4EB6-89BB-2A86C9F091C8}" type="datetime8">
               <a:rPr lang="en-US" smtClean="0"/>
-              <a:t>2018-05-23 7:46 AM</a:t>
+              <a:t>2023-01-04 4:47 PM</a:t>
             </a:fld>
             <a:endParaRPr lang="en-US" dirty="0"/>
           </a:p>
@@ -3668,7 +3889,7 @@
             <a:fld id="{B4008EB6-D09E-4580-8CD6-DDB14511944F}" type="slidenum">
               <a:rPr lang="en-US" smtClean="0"/>
               <a:pPr/>
-              <a:t>10</a:t>
+              <a:t>12</a:t>
             </a:fld>
             <a:endParaRPr lang="en-US" dirty="0"/>
           </a:p>
@@ -19599,7 +19820,7 @@
       </a:lvl9pPr>
     </p:otherStyle>
   </p:txStyles>
-  <p:extLst mod="1">
+  <p:extLst>
     <p:ext uri="{27BBF7A9-308A-43DC-89C8-2F10F3537804}">
       <p15:sldGuideLst xmlns:p15="http://schemas.microsoft.com/office/powerpoint/2012/main">
         <p15:guide id="1" orient="horz" pos="187">
@@ -20262,7 +20483,7 @@
       </a:lvl9pPr>
     </p:otherStyle>
   </p:txStyles>
-  <p:extLst mod="1">
+  <p:extLst>
     <p:ext uri="{27BBF7A9-308A-43DC-89C8-2F10F3537804}">
       <p15:sldGuideLst xmlns:p15="http://schemas.microsoft.com/office/powerpoint/2012/main">
         <p15:guide id="1" orient="horz" pos="187">
@@ -20928,7 +21149,7 @@
       </a:lvl9pPr>
     </p:otherStyle>
   </p:txStyles>
-  <p:extLst mod="1">
+  <p:extLst>
     <p:ext uri="{27BBF7A9-308A-43DC-89C8-2F10F3537804}">
       <p15:sldGuideLst xmlns:p15="http://schemas.microsoft.com/office/powerpoint/2012/main">
         <p15:guide id="1" orient="horz" pos="187">
@@ -21595,7 +21816,7 @@
       </a:lvl9pPr>
     </p:otherStyle>
   </p:txStyles>
-  <p:extLst mod="1">
+  <p:extLst>
     <p:ext uri="{27BBF7A9-308A-43DC-89C8-2F10F3537804}">
       <p15:sldGuideLst xmlns:p15="http://schemas.microsoft.com/office/powerpoint/2012/main">
         <p15:guide id="1" orient="horz" pos="187">
@@ -21853,7 +22074,7 @@
           <a:p>
             <a:r>
               <a:rPr lang="en-CA" dirty="0"/>
-              <a:t>Transactions</a:t>
+              <a:t>Event Handler and Container Hierarchy (Example)</a:t>
             </a:r>
           </a:p>
         </p:txBody>
@@ -21876,8 +22097,8 @@
         </p:nvSpPr>
         <p:spPr>
           <a:xfrm>
-            <a:off x="274637" y="1287462"/>
-            <a:ext cx="11580031" cy="2708434"/>
+            <a:off x="277006" y="1592262"/>
+            <a:ext cx="6398431" cy="4185761"/>
           </a:xfrm>
         </p:spPr>
         <p:txBody>
@@ -21886,6 +22107,302 @@
           <a:p>
             <a:r>
               <a:rPr lang="en-US" dirty="0"/>
+              <a:t>In following example </a:t>
+            </a:r>
+          </a:p>
+          <a:p>
+            <a:pPr lvl="1"/>
+            <a:r>
+              <a:rPr lang="en-US" dirty="0"/>
+              <a:t>Package has Execute SQL Task within For </a:t>
+            </a:r>
+            <a:r>
+              <a:rPr lang="en-US" dirty="0" err="1"/>
+              <a:t>For</a:t>
+            </a:r>
+            <a:r>
+              <a:rPr lang="en-US" dirty="0"/>
+              <a:t> Loop Container </a:t>
+            </a:r>
+          </a:p>
+          <a:p>
+            <a:pPr lvl="1"/>
+            <a:r>
+              <a:rPr lang="en-US" dirty="0"/>
+              <a:t>Package has </a:t>
+            </a:r>
+            <a:r>
+              <a:rPr lang="en-US" dirty="0" err="1"/>
+              <a:t>OnError</a:t>
+            </a:r>
+            <a:r>
+              <a:rPr lang="en-US" dirty="0"/>
+              <a:t> Event handler defined </a:t>
+            </a:r>
+          </a:p>
+          <a:p>
+            <a:r>
+              <a:rPr lang="en-US" dirty="0"/>
+              <a:t>Notice: how Events are bubbled up until an Event Handler is found.</a:t>
+            </a:r>
+          </a:p>
+          <a:p>
+            <a:endParaRPr lang="en-CA" dirty="0"/>
+          </a:p>
+        </p:txBody>
+      </p:sp>
+      <p:pic>
+        <p:nvPicPr>
+          <p:cNvPr id="5" name="Picture 4">
+            <a:extLst>
+              <a:ext uri="{FF2B5EF4-FFF2-40B4-BE49-F238E27FC236}">
+                <a16:creationId xmlns:a16="http://schemas.microsoft.com/office/drawing/2014/main" id="{2AD69B7D-BBA0-49A8-AD97-6CD10C62C9FE}"/>
+              </a:ext>
+            </a:extLst>
+          </p:cNvPr>
+          <p:cNvPicPr>
+            <a:picLocks noChangeAspect="1"/>
+          </p:cNvPicPr>
+          <p:nvPr/>
+        </p:nvPicPr>
+        <p:blipFill>
+          <a:blip r:embed="rId3"/>
+          <a:stretch>
+            <a:fillRect/>
+          </a:stretch>
+        </p:blipFill>
+        <p:spPr>
+          <a:xfrm>
+            <a:off x="9837723" y="906462"/>
+            <a:ext cx="2109787" cy="1806221"/>
+          </a:xfrm>
+          <a:prstGeom prst="rect">
+            <a:avLst/>
+          </a:prstGeom>
+        </p:spPr>
+      </p:pic>
+      <p:pic>
+        <p:nvPicPr>
+          <p:cNvPr id="8" name="Picture 7">
+            <a:extLst>
+              <a:ext uri="{FF2B5EF4-FFF2-40B4-BE49-F238E27FC236}">
+                <a16:creationId xmlns:a16="http://schemas.microsoft.com/office/drawing/2014/main" id="{7A8C905E-1028-4BE6-A9D9-89DA8D7947C6}"/>
+              </a:ext>
+            </a:extLst>
+          </p:cNvPr>
+          <p:cNvPicPr>
+            <a:picLocks noChangeAspect="1"/>
+          </p:cNvPicPr>
+          <p:nvPr/>
+        </p:nvPicPr>
+        <p:blipFill>
+          <a:blip r:embed="rId4"/>
+          <a:stretch>
+            <a:fillRect/>
+          </a:stretch>
+        </p:blipFill>
+        <p:spPr>
+          <a:xfrm>
+            <a:off x="8351837" y="3002975"/>
+            <a:ext cx="3888588" cy="3943666"/>
+          </a:xfrm>
+          <a:prstGeom prst="rect">
+            <a:avLst/>
+          </a:prstGeom>
+        </p:spPr>
+      </p:pic>
+    </p:spTree>
+    <p:extLst>
+      <p:ext uri="{BB962C8B-B14F-4D97-AF65-F5344CB8AC3E}">
+        <p14:creationId xmlns:p14="http://schemas.microsoft.com/office/powerpoint/2010/main" val="712768142"/>
+      </p:ext>
+    </p:extLst>
+  </p:cSld>
+  <p:clrMapOvr>
+    <a:masterClrMapping/>
+  </p:clrMapOvr>
+  <p:transition>
+    <p:fade/>
+  </p:transition>
+</p:sld>
+</file>
+
+<file path=ppt/slides/slide11.xml><?xml version="1.0" encoding="utf-8"?>
+<p:sld xmlns:a="http://schemas.openxmlformats.org/drawingml/2006/main" xmlns:r="http://schemas.openxmlformats.org/officeDocument/2006/relationships" xmlns:p="http://schemas.openxmlformats.org/presentationml/2006/main">
+  <p:cSld>
+    <p:spTree>
+      <p:nvGrpSpPr>
+        <p:cNvPr id="1" name=""/>
+        <p:cNvGrpSpPr/>
+        <p:nvPr/>
+      </p:nvGrpSpPr>
+      <p:grpSpPr>
+        <a:xfrm>
+          <a:off x="0" y="0"/>
+          <a:ext cx="0" cy="0"/>
+          <a:chOff x="0" y="0"/>
+          <a:chExt cx="0" cy="0"/>
+        </a:xfrm>
+      </p:grpSpPr>
+      <p:sp>
+        <p:nvSpPr>
+          <p:cNvPr id="2" name="Title 1">
+            <a:extLst>
+              <a:ext uri="{FF2B5EF4-FFF2-40B4-BE49-F238E27FC236}">
+                <a16:creationId xmlns:a16="http://schemas.microsoft.com/office/drawing/2014/main" id="{3766A788-9C0B-4049-826A-5826D03FECE3}"/>
+              </a:ext>
+            </a:extLst>
+          </p:cNvPr>
+          <p:cNvSpPr>
+            <a:spLocks noGrp="1"/>
+          </p:cNvSpPr>
+          <p:nvPr>
+            <p:ph type="title"/>
+          </p:nvPr>
+        </p:nvSpPr>
+        <p:spPr/>
+        <p:txBody>
+          <a:bodyPr/>
+          <a:lstStyle/>
+          <a:p>
+            <a:r>
+              <a:rPr lang="en-US" sz="6600" dirty="0"/>
+              <a:t>Event Handler</a:t>
+            </a:r>
+          </a:p>
+        </p:txBody>
+      </p:sp>
+      <p:sp>
+        <p:nvSpPr>
+          <p:cNvPr id="3" name="Text Placeholder 2">
+            <a:extLst>
+              <a:ext uri="{FF2B5EF4-FFF2-40B4-BE49-F238E27FC236}">
+                <a16:creationId xmlns:a16="http://schemas.microsoft.com/office/drawing/2014/main" id="{E20EA8CE-646D-4583-842B-663F195425FA}"/>
+              </a:ext>
+            </a:extLst>
+          </p:cNvPr>
+          <p:cNvSpPr>
+            <a:spLocks noGrp="1"/>
+          </p:cNvSpPr>
+          <p:nvPr>
+            <p:ph type="body" sz="quarter" idx="12"/>
+          </p:nvPr>
+        </p:nvSpPr>
+        <p:spPr>
+          <a:xfrm>
+            <a:off x="274637" y="3954462"/>
+            <a:ext cx="10058401" cy="1829593"/>
+          </a:xfrm>
+        </p:spPr>
+        <p:txBody>
+          <a:bodyPr/>
+          <a:lstStyle/>
+          <a:p>
+            <a:r>
+              <a:rPr lang="en-US" dirty="0"/>
+              <a:t>Lab 2</a:t>
+            </a:r>
+          </a:p>
+        </p:txBody>
+      </p:sp>
+    </p:spTree>
+    <p:extLst>
+      <p:ext uri="{BB962C8B-B14F-4D97-AF65-F5344CB8AC3E}">
+        <p14:creationId xmlns:p14="http://schemas.microsoft.com/office/powerpoint/2010/main" val="870140845"/>
+      </p:ext>
+    </p:extLst>
+  </p:cSld>
+  <p:clrMapOvr>
+    <a:masterClrMapping/>
+  </p:clrMapOvr>
+  <mc:AlternateContent xmlns:mc="http://schemas.openxmlformats.org/markup-compatibility/2006" xmlns:p14="http://schemas.microsoft.com/office/powerpoint/2010/main">
+    <mc:Choice Requires="p14">
+      <p:transition spd="slow" p14:dur="3400">
+        <p14:reveal/>
+      </p:transition>
+    </mc:Choice>
+    <mc:Fallback xmlns="">
+      <p:transition spd="slow">
+        <p:fade/>
+      </p:transition>
+    </mc:Fallback>
+  </mc:AlternateContent>
+</p:sld>
+</file>
+
+<file path=ppt/slides/slide12.xml><?xml version="1.0" encoding="utf-8"?>
+<p:sld xmlns:a="http://schemas.openxmlformats.org/drawingml/2006/main" xmlns:r="http://schemas.openxmlformats.org/officeDocument/2006/relationships" xmlns:p="http://schemas.openxmlformats.org/presentationml/2006/main">
+  <p:cSld>
+    <p:spTree>
+      <p:nvGrpSpPr>
+        <p:cNvPr id="1" name=""/>
+        <p:cNvGrpSpPr/>
+        <p:nvPr/>
+      </p:nvGrpSpPr>
+      <p:grpSpPr>
+        <a:xfrm>
+          <a:off x="0" y="0"/>
+          <a:ext cx="0" cy="0"/>
+          <a:chOff x="0" y="0"/>
+          <a:chExt cx="0" cy="0"/>
+        </a:xfrm>
+      </p:grpSpPr>
+      <p:sp>
+        <p:nvSpPr>
+          <p:cNvPr id="2" name="Title 1">
+            <a:extLst>
+              <a:ext uri="{FF2B5EF4-FFF2-40B4-BE49-F238E27FC236}">
+                <a16:creationId xmlns:a16="http://schemas.microsoft.com/office/drawing/2014/main" id="{45C23F5C-B812-40E7-AE95-307DD922EB9D}"/>
+              </a:ext>
+            </a:extLst>
+          </p:cNvPr>
+          <p:cNvSpPr>
+            <a:spLocks noGrp="1"/>
+          </p:cNvSpPr>
+          <p:nvPr>
+            <p:ph type="title"/>
+          </p:nvPr>
+        </p:nvSpPr>
+        <p:spPr/>
+        <p:txBody>
+          <a:bodyPr/>
+          <a:lstStyle/>
+          <a:p>
+            <a:r>
+              <a:rPr lang="en-CA" dirty="0"/>
+              <a:t>Transactions</a:t>
+            </a:r>
+          </a:p>
+        </p:txBody>
+      </p:sp>
+      <p:sp>
+        <p:nvSpPr>
+          <p:cNvPr id="3" name="Text Placeholder 2">
+            <a:extLst>
+              <a:ext uri="{FF2B5EF4-FFF2-40B4-BE49-F238E27FC236}">
+                <a16:creationId xmlns:a16="http://schemas.microsoft.com/office/drawing/2014/main" id="{5263F4B0-A008-47D9-8980-D733423B3F25}"/>
+              </a:ext>
+            </a:extLst>
+          </p:cNvPr>
+          <p:cNvSpPr>
+            <a:spLocks noGrp="1"/>
+          </p:cNvSpPr>
+          <p:nvPr>
+            <p:ph type="body" sz="quarter" idx="10"/>
+          </p:nvPr>
+        </p:nvSpPr>
+        <p:spPr>
+          <a:xfrm>
+            <a:off x="274637" y="1287462"/>
+            <a:ext cx="11580031" cy="3305520"/>
+          </a:xfrm>
+        </p:spPr>
+        <p:txBody>
+          <a:bodyPr/>
+          <a:lstStyle/>
+          <a:p>
+            <a:r>
+              <a:rPr lang="en-US" dirty="0"/>
               <a:t>Execute tasks as an atomic units </a:t>
             </a:r>
           </a:p>
@@ -21893,6 +22410,12 @@
             <a:r>
               <a:rPr lang="en-US" dirty="0"/>
               <a:t>Transaction can be used to rollback when error occurs</a:t>
+            </a:r>
+          </a:p>
+          <a:p>
+            <a:r>
+              <a:rPr lang="en-US" dirty="0"/>
+              <a:t>Requires distributed transaction coordinator</a:t>
             </a:r>
           </a:p>
           <a:p>
@@ -21918,13 +22441,13 @@
           <p:nvPr>
             <p:extLst>
               <p:ext uri="{D42A27DB-BD31-4B8C-83A1-F6EECF244321}">
-                <p14:modId xmlns:p14="http://schemas.microsoft.com/office/powerpoint/2010/main" val="3983621789"/>
+                <p14:modId xmlns:p14="http://schemas.microsoft.com/office/powerpoint/2010/main" val="3309656000"/>
               </p:ext>
             </p:extLst>
           </p:nvPr>
         </p:nvGraphicFramePr>
         <p:xfrm>
-          <a:off x="731837" y="4183062"/>
+          <a:off x="731837" y="4640262"/>
           <a:ext cx="11125200" cy="2021840"/>
         </p:xfrm>
         <a:graphic>
@@ -22142,249 +22665,6 @@
 </p:sld>
 </file>
 
-<file path=ppt/slides/slide11.xml><?xml version="1.0" encoding="utf-8"?>
-<p:sld xmlns:a="http://schemas.openxmlformats.org/drawingml/2006/main" xmlns:r="http://schemas.openxmlformats.org/officeDocument/2006/relationships" xmlns:p="http://schemas.openxmlformats.org/presentationml/2006/main">
-  <p:cSld>
-    <p:spTree>
-      <p:nvGrpSpPr>
-        <p:cNvPr id="1" name=""/>
-        <p:cNvGrpSpPr/>
-        <p:nvPr/>
-      </p:nvGrpSpPr>
-      <p:grpSpPr>
-        <a:xfrm>
-          <a:off x="0" y="0"/>
-          <a:ext cx="0" cy="0"/>
-          <a:chOff x="0" y="0"/>
-          <a:chExt cx="0" cy="0"/>
-        </a:xfrm>
-      </p:grpSpPr>
-      <p:sp>
-        <p:nvSpPr>
-          <p:cNvPr id="2" name="Title 1">
-            <a:extLst>
-              <a:ext uri="{FF2B5EF4-FFF2-40B4-BE49-F238E27FC236}">
-                <a16:creationId xmlns:a16="http://schemas.microsoft.com/office/drawing/2014/main" id="{45C23F5C-B812-40E7-AE95-307DD922EB9D}"/>
-              </a:ext>
-            </a:extLst>
-          </p:cNvPr>
-          <p:cNvSpPr>
-            <a:spLocks noGrp="1"/>
-          </p:cNvSpPr>
-          <p:nvPr>
-            <p:ph type="title"/>
-          </p:nvPr>
-        </p:nvSpPr>
-        <p:spPr/>
-        <p:txBody>
-          <a:bodyPr/>
-          <a:lstStyle/>
-          <a:p>
-            <a:r>
-              <a:rPr lang="en-CA" dirty="0"/>
-              <a:t>Inherited Transactions</a:t>
-            </a:r>
-          </a:p>
-        </p:txBody>
-      </p:sp>
-      <p:sp>
-        <p:nvSpPr>
-          <p:cNvPr id="3" name="Text Placeholder 2">
-            <a:extLst>
-              <a:ext uri="{FF2B5EF4-FFF2-40B4-BE49-F238E27FC236}">
-                <a16:creationId xmlns:a16="http://schemas.microsoft.com/office/drawing/2014/main" id="{5263F4B0-A008-47D9-8980-D733423B3F25}"/>
-              </a:ext>
-            </a:extLst>
-          </p:cNvPr>
-          <p:cNvSpPr>
-            <a:spLocks noGrp="1"/>
-          </p:cNvSpPr>
-          <p:nvPr>
-            <p:ph type="body" sz="quarter" idx="10"/>
-          </p:nvPr>
-        </p:nvSpPr>
-        <p:spPr>
-          <a:xfrm>
-            <a:off x="277006" y="1592262"/>
-            <a:ext cx="11732431" cy="2622256"/>
-          </a:xfrm>
-        </p:spPr>
-        <p:txBody>
-          <a:bodyPr/>
-          <a:lstStyle/>
-          <a:p>
-            <a:r>
-              <a:rPr lang="en-US" dirty="0"/>
-              <a:t>Child package can inherits the parent package transaction if following are met:</a:t>
-            </a:r>
-          </a:p>
-          <a:p>
-            <a:pPr lvl="1"/>
-            <a:r>
-              <a:rPr lang="en-US" dirty="0"/>
-              <a:t>Parent Package </a:t>
-            </a:r>
-            <a:r>
-              <a:rPr lang="en-US" dirty="0" err="1"/>
-              <a:t>TransactionOption</a:t>
-            </a:r>
-            <a:r>
-              <a:rPr lang="en-US" dirty="0"/>
-              <a:t>=Required (or Supported and has joined transaction)</a:t>
-            </a:r>
-          </a:p>
-          <a:p>
-            <a:pPr lvl="1"/>
-            <a:r>
-              <a:rPr lang="en-US" dirty="0"/>
-              <a:t>Child package is invoked by an Execute Package task </a:t>
-            </a:r>
-          </a:p>
-          <a:p>
-            <a:pPr lvl="1"/>
-            <a:r>
-              <a:rPr lang="en-US" dirty="0"/>
-              <a:t>Execute Package task’s </a:t>
-            </a:r>
-            <a:r>
-              <a:rPr lang="en-US" dirty="0" err="1"/>
-              <a:t>TransactionOption</a:t>
-            </a:r>
-            <a:r>
-              <a:rPr lang="en-US" dirty="0"/>
-              <a:t>=Supported  </a:t>
-            </a:r>
-          </a:p>
-        </p:txBody>
-      </p:sp>
-    </p:spTree>
-    <p:extLst>
-      <p:ext uri="{BB962C8B-B14F-4D97-AF65-F5344CB8AC3E}">
-        <p14:creationId xmlns:p14="http://schemas.microsoft.com/office/powerpoint/2010/main" val="3236482788"/>
-      </p:ext>
-    </p:extLst>
-  </p:cSld>
-  <p:clrMapOvr>
-    <a:masterClrMapping/>
-  </p:clrMapOvr>
-  <p:transition>
-    <p:fade/>
-  </p:transition>
-</p:sld>
-</file>
-
-<file path=ppt/slides/slide12.xml><?xml version="1.0" encoding="utf-8"?>
-<p:sld xmlns:a="http://schemas.openxmlformats.org/drawingml/2006/main" xmlns:r="http://schemas.openxmlformats.org/officeDocument/2006/relationships" xmlns:p="http://schemas.openxmlformats.org/presentationml/2006/main">
-  <p:cSld>
-    <p:spTree>
-      <p:nvGrpSpPr>
-        <p:cNvPr id="1" name=""/>
-        <p:cNvGrpSpPr/>
-        <p:nvPr/>
-      </p:nvGrpSpPr>
-      <p:grpSpPr>
-        <a:xfrm>
-          <a:off x="0" y="0"/>
-          <a:ext cx="0" cy="0"/>
-          <a:chOff x="0" y="0"/>
-          <a:chExt cx="0" cy="0"/>
-        </a:xfrm>
-      </p:grpSpPr>
-      <p:sp>
-        <p:nvSpPr>
-          <p:cNvPr id="2" name="Title 1">
-            <a:extLst>
-              <a:ext uri="{FF2B5EF4-FFF2-40B4-BE49-F238E27FC236}">
-                <a16:creationId xmlns:a16="http://schemas.microsoft.com/office/drawing/2014/main" id="{45C23F5C-B812-40E7-AE95-307DD922EB9D}"/>
-              </a:ext>
-            </a:extLst>
-          </p:cNvPr>
-          <p:cNvSpPr>
-            <a:spLocks noGrp="1"/>
-          </p:cNvSpPr>
-          <p:nvPr>
-            <p:ph type="title"/>
-          </p:nvPr>
-        </p:nvSpPr>
-        <p:spPr/>
-        <p:txBody>
-          <a:bodyPr/>
-          <a:lstStyle/>
-          <a:p>
-            <a:r>
-              <a:rPr lang="en-CA" dirty="0"/>
-              <a:t>Restart Packages using Checkpoints</a:t>
-            </a:r>
-          </a:p>
-        </p:txBody>
-      </p:sp>
-      <p:sp>
-        <p:nvSpPr>
-          <p:cNvPr id="3" name="Text Placeholder 2">
-            <a:extLst>
-              <a:ext uri="{FF2B5EF4-FFF2-40B4-BE49-F238E27FC236}">
-                <a16:creationId xmlns:a16="http://schemas.microsoft.com/office/drawing/2014/main" id="{5263F4B0-A008-47D9-8980-D733423B3F25}"/>
-              </a:ext>
-            </a:extLst>
-          </p:cNvPr>
-          <p:cNvSpPr>
-            <a:spLocks noGrp="1"/>
-          </p:cNvSpPr>
-          <p:nvPr>
-            <p:ph type="body" sz="quarter" idx="10"/>
-          </p:nvPr>
-        </p:nvSpPr>
-        <p:spPr>
-          <a:xfrm>
-            <a:off x="277006" y="1592262"/>
-            <a:ext cx="11732431" cy="3748719"/>
-          </a:xfrm>
-        </p:spPr>
-        <p:txBody>
-          <a:bodyPr/>
-          <a:lstStyle/>
-          <a:p>
-            <a:r>
-              <a:rPr lang="en-US" dirty="0"/>
-              <a:t>Restart failed packages from the point of failure, instead of rerunning the whole package.</a:t>
-            </a:r>
-          </a:p>
-          <a:p>
-            <a:r>
-              <a:rPr lang="en-US" dirty="0"/>
-              <a:t>Package execution is written to a checkpoint file.</a:t>
-            </a:r>
-          </a:p>
-          <a:p>
-            <a:r>
-              <a:rPr lang="en-US" dirty="0"/>
-              <a:t>When the failed package is rerun, the checkpoint file is used to restart the package from the point of failure. </a:t>
-            </a:r>
-          </a:p>
-          <a:p>
-            <a:r>
-              <a:rPr lang="en-US" dirty="0"/>
-              <a:t>If the package runs successfully, the checkpoint file is deleted and recreated on next run. </a:t>
-            </a:r>
-          </a:p>
-        </p:txBody>
-      </p:sp>
-    </p:spTree>
-    <p:extLst>
-      <p:ext uri="{BB962C8B-B14F-4D97-AF65-F5344CB8AC3E}">
-        <p14:creationId xmlns:p14="http://schemas.microsoft.com/office/powerpoint/2010/main" val="2646149193"/>
-      </p:ext>
-    </p:extLst>
-  </p:cSld>
-  <p:clrMapOvr>
-    <a:masterClrMapping/>
-  </p:clrMapOvr>
-  <p:transition>
-    <p:fade/>
-  </p:transition>
-</p:sld>
-</file>
-
 <file path=ppt/slides/slide13.xml><?xml version="1.0" encoding="utf-8"?>
 <p:sld xmlns:a="http://schemas.openxmlformats.org/drawingml/2006/main" xmlns:r="http://schemas.openxmlformats.org/officeDocument/2006/relationships" xmlns:p="http://schemas.openxmlformats.org/presentationml/2006/main">
   <p:cSld>
@@ -22425,6 +22705,396 @@
           <a:p>
             <a:r>
               <a:rPr lang="en-CA" dirty="0"/>
+              <a:t>Inherited Transactions</a:t>
+            </a:r>
+          </a:p>
+        </p:txBody>
+      </p:sp>
+      <p:sp>
+        <p:nvSpPr>
+          <p:cNvPr id="3" name="Text Placeholder 2">
+            <a:extLst>
+              <a:ext uri="{FF2B5EF4-FFF2-40B4-BE49-F238E27FC236}">
+                <a16:creationId xmlns:a16="http://schemas.microsoft.com/office/drawing/2014/main" id="{5263F4B0-A008-47D9-8980-D733423B3F25}"/>
+              </a:ext>
+            </a:extLst>
+          </p:cNvPr>
+          <p:cNvSpPr>
+            <a:spLocks noGrp="1"/>
+          </p:cNvSpPr>
+          <p:nvPr>
+            <p:ph type="body" sz="quarter" idx="10"/>
+          </p:nvPr>
+        </p:nvSpPr>
+        <p:spPr>
+          <a:xfrm>
+            <a:off x="277006" y="1592262"/>
+            <a:ext cx="11732431" cy="2622256"/>
+          </a:xfrm>
+        </p:spPr>
+        <p:txBody>
+          <a:bodyPr/>
+          <a:lstStyle/>
+          <a:p>
+            <a:r>
+              <a:rPr lang="en-US" dirty="0"/>
+              <a:t>Child package can inherit the parent package transaction if following are met:</a:t>
+            </a:r>
+          </a:p>
+          <a:p>
+            <a:pPr lvl="1"/>
+            <a:r>
+              <a:rPr lang="en-US" dirty="0"/>
+              <a:t>Parent Package </a:t>
+            </a:r>
+            <a:r>
+              <a:rPr lang="en-US" dirty="0" err="1"/>
+              <a:t>TransactionOption</a:t>
+            </a:r>
+            <a:r>
+              <a:rPr lang="en-US" dirty="0"/>
+              <a:t>=Required (or Supported and has joined transaction)</a:t>
+            </a:r>
+          </a:p>
+          <a:p>
+            <a:pPr lvl="1"/>
+            <a:r>
+              <a:rPr lang="en-US" dirty="0"/>
+              <a:t>Child package is invoked by an Execute Package task </a:t>
+            </a:r>
+          </a:p>
+          <a:p>
+            <a:pPr lvl="1"/>
+            <a:r>
+              <a:rPr lang="en-US" dirty="0"/>
+              <a:t>Execute Package task’s </a:t>
+            </a:r>
+            <a:r>
+              <a:rPr lang="en-US" dirty="0" err="1"/>
+              <a:t>TransactionOption</a:t>
+            </a:r>
+            <a:r>
+              <a:rPr lang="en-US" dirty="0"/>
+              <a:t>=Supported  </a:t>
+            </a:r>
+          </a:p>
+        </p:txBody>
+      </p:sp>
+    </p:spTree>
+    <p:extLst>
+      <p:ext uri="{BB962C8B-B14F-4D97-AF65-F5344CB8AC3E}">
+        <p14:creationId xmlns:p14="http://schemas.microsoft.com/office/powerpoint/2010/main" val="3236482788"/>
+      </p:ext>
+    </p:extLst>
+  </p:cSld>
+  <p:clrMapOvr>
+    <a:masterClrMapping/>
+  </p:clrMapOvr>
+  <p:transition>
+    <p:fade/>
+  </p:transition>
+</p:sld>
+</file>
+
+<file path=ppt/slides/slide14.xml><?xml version="1.0" encoding="utf-8"?>
+<p:sld xmlns:a="http://schemas.openxmlformats.org/drawingml/2006/main" xmlns:r="http://schemas.openxmlformats.org/officeDocument/2006/relationships" xmlns:p="http://schemas.openxmlformats.org/presentationml/2006/main">
+  <p:cSld>
+    <p:spTree>
+      <p:nvGrpSpPr>
+        <p:cNvPr id="1" name=""/>
+        <p:cNvGrpSpPr/>
+        <p:nvPr/>
+      </p:nvGrpSpPr>
+      <p:grpSpPr>
+        <a:xfrm>
+          <a:off x="0" y="0"/>
+          <a:ext cx="0" cy="0"/>
+          <a:chOff x="0" y="0"/>
+          <a:chExt cx="0" cy="0"/>
+        </a:xfrm>
+      </p:grpSpPr>
+      <p:sp>
+        <p:nvSpPr>
+          <p:cNvPr id="2" name="Title 1">
+            <a:extLst>
+              <a:ext uri="{FF2B5EF4-FFF2-40B4-BE49-F238E27FC236}">
+                <a16:creationId xmlns:a16="http://schemas.microsoft.com/office/drawing/2014/main" id="{45C23F5C-B812-40E7-AE95-307DD922EB9D}"/>
+              </a:ext>
+            </a:extLst>
+          </p:cNvPr>
+          <p:cNvSpPr>
+            <a:spLocks noGrp="1"/>
+          </p:cNvSpPr>
+          <p:nvPr>
+            <p:ph type="title"/>
+          </p:nvPr>
+        </p:nvSpPr>
+        <p:spPr/>
+        <p:txBody>
+          <a:bodyPr/>
+          <a:lstStyle/>
+          <a:p>
+            <a:r>
+              <a:rPr lang="en-CA" dirty="0"/>
+              <a:t>Transaction Nesting</a:t>
+            </a:r>
+          </a:p>
+        </p:txBody>
+      </p:sp>
+      <p:sp>
+        <p:nvSpPr>
+          <p:cNvPr id="3" name="Text Placeholder 2">
+            <a:extLst>
+              <a:ext uri="{FF2B5EF4-FFF2-40B4-BE49-F238E27FC236}">
+                <a16:creationId xmlns:a16="http://schemas.microsoft.com/office/drawing/2014/main" id="{5263F4B0-A008-47D9-8980-D733423B3F25}"/>
+              </a:ext>
+            </a:extLst>
+          </p:cNvPr>
+          <p:cNvSpPr>
+            <a:spLocks noGrp="1"/>
+          </p:cNvSpPr>
+          <p:nvPr>
+            <p:ph type="body" sz="quarter" idx="10"/>
+          </p:nvPr>
+        </p:nvSpPr>
+        <p:spPr>
+          <a:xfrm>
+            <a:off x="274637" y="1287462"/>
+            <a:ext cx="11580031" cy="3927229"/>
+          </a:xfrm>
+        </p:spPr>
+        <p:txBody>
+          <a:bodyPr/>
+          <a:lstStyle/>
+          <a:p>
+            <a:r>
+              <a:rPr lang="en-US" dirty="0"/>
+              <a:t>Inner transactions are not rolled back as result of outer transaction failure.  Careful, might care unintended behavior.</a:t>
+            </a:r>
+          </a:p>
+          <a:p>
+            <a:r>
+              <a:rPr lang="en-US" dirty="0"/>
+              <a:t>Nested transaction scan be creating by adjusting the </a:t>
+            </a:r>
+            <a:r>
+              <a:rPr lang="en-US" dirty="0" err="1"/>
+              <a:t>TransactionOption</a:t>
+            </a:r>
+            <a:r>
+              <a:rPr lang="en-US" dirty="0"/>
+              <a:t> property.</a:t>
+            </a:r>
+          </a:p>
+          <a:p>
+            <a:r>
+              <a:rPr lang="en-US" dirty="0"/>
+              <a:t>For example:</a:t>
+            </a:r>
+          </a:p>
+          <a:p>
+            <a:pPr lvl="1"/>
+            <a:r>
+              <a:rPr lang="en-US" dirty="0"/>
+              <a:t>Package Property set to Required.</a:t>
+            </a:r>
+          </a:p>
+          <a:p>
+            <a:pPr lvl="1"/>
+            <a:r>
+              <a:rPr lang="en-US" dirty="0"/>
+              <a:t>Container Property set to Not Supported.</a:t>
+            </a:r>
+          </a:p>
+          <a:p>
+            <a:pPr lvl="1"/>
+            <a:r>
+              <a:rPr lang="en-US" dirty="0"/>
+              <a:t>Task Property set to Supported.</a:t>
+            </a:r>
+          </a:p>
+        </p:txBody>
+      </p:sp>
+    </p:spTree>
+    <p:extLst>
+      <p:ext uri="{BB962C8B-B14F-4D97-AF65-F5344CB8AC3E}">
+        <p14:creationId xmlns:p14="http://schemas.microsoft.com/office/powerpoint/2010/main" val="911020067"/>
+      </p:ext>
+    </p:extLst>
+  </p:cSld>
+  <p:clrMapOvr>
+    <a:masterClrMapping/>
+  </p:clrMapOvr>
+  <p:transition>
+    <p:fade/>
+  </p:transition>
+</p:sld>
+</file>
+
+<file path=ppt/slides/slide15.xml><?xml version="1.0" encoding="utf-8"?>
+<p:sld xmlns:a="http://schemas.openxmlformats.org/drawingml/2006/main" xmlns:r="http://schemas.openxmlformats.org/officeDocument/2006/relationships" xmlns:p="http://schemas.openxmlformats.org/presentationml/2006/main">
+  <p:cSld>
+    <p:spTree>
+      <p:nvGrpSpPr>
+        <p:cNvPr id="1" name=""/>
+        <p:cNvGrpSpPr/>
+        <p:nvPr/>
+      </p:nvGrpSpPr>
+      <p:grpSpPr>
+        <a:xfrm>
+          <a:off x="0" y="0"/>
+          <a:ext cx="0" cy="0"/>
+          <a:chOff x="0" y="0"/>
+          <a:chExt cx="0" cy="0"/>
+        </a:xfrm>
+      </p:grpSpPr>
+      <p:sp>
+        <p:nvSpPr>
+          <p:cNvPr id="2" name="Title 1">
+            <a:extLst>
+              <a:ext uri="{FF2B5EF4-FFF2-40B4-BE49-F238E27FC236}">
+                <a16:creationId xmlns:a16="http://schemas.microsoft.com/office/drawing/2014/main" id="{45C23F5C-B812-40E7-AE95-307DD922EB9D}"/>
+              </a:ext>
+            </a:extLst>
+          </p:cNvPr>
+          <p:cNvSpPr>
+            <a:spLocks noGrp="1"/>
+          </p:cNvSpPr>
+          <p:nvPr>
+            <p:ph type="title"/>
+          </p:nvPr>
+        </p:nvSpPr>
+        <p:spPr/>
+        <p:txBody>
+          <a:bodyPr/>
+          <a:lstStyle/>
+          <a:p>
+            <a:r>
+              <a:rPr lang="en-CA" dirty="0"/>
+              <a:t>Restart Packages using Checkpoints</a:t>
+            </a:r>
+          </a:p>
+        </p:txBody>
+      </p:sp>
+      <p:sp>
+        <p:nvSpPr>
+          <p:cNvPr id="3" name="Text Placeholder 2">
+            <a:extLst>
+              <a:ext uri="{FF2B5EF4-FFF2-40B4-BE49-F238E27FC236}">
+                <a16:creationId xmlns:a16="http://schemas.microsoft.com/office/drawing/2014/main" id="{5263F4B0-A008-47D9-8980-D733423B3F25}"/>
+              </a:ext>
+            </a:extLst>
+          </p:cNvPr>
+          <p:cNvSpPr>
+            <a:spLocks noGrp="1"/>
+          </p:cNvSpPr>
+          <p:nvPr>
+            <p:ph type="body" sz="quarter" idx="10"/>
+          </p:nvPr>
+        </p:nvSpPr>
+        <p:spPr>
+          <a:xfrm>
+            <a:off x="277006" y="1592262"/>
+            <a:ext cx="11732431" cy="5386090"/>
+          </a:xfrm>
+        </p:spPr>
+        <p:txBody>
+          <a:bodyPr/>
+          <a:lstStyle/>
+          <a:p>
+            <a:r>
+              <a:rPr lang="en-US" dirty="0"/>
+              <a:t>Restart failed packages from the point of failure, instead of rerunning the whole package.</a:t>
+            </a:r>
+          </a:p>
+          <a:p>
+            <a:r>
+              <a:rPr lang="en-US" dirty="0"/>
+              <a:t>Package execution is written to a checkpoint file.</a:t>
+            </a:r>
+          </a:p>
+          <a:p>
+            <a:r>
+              <a:rPr lang="en-US" dirty="0"/>
+              <a:t>When the failed package is rerun, the checkpoint file is used to restart the package from the point of failure. </a:t>
+            </a:r>
+          </a:p>
+          <a:p>
+            <a:r>
+              <a:rPr lang="en-US" dirty="0"/>
+              <a:t>If the package runs successfully, the checkpoint file is deleted and recreated on next run. </a:t>
+            </a:r>
+          </a:p>
+          <a:p>
+            <a:r>
+              <a:rPr lang="en-US" dirty="0"/>
+              <a:t>Checkpoints are not saved for data flow task.</a:t>
+            </a:r>
+          </a:p>
+          <a:p>
+            <a:r>
+              <a:rPr lang="en-US" dirty="0"/>
+              <a:t>Checkpoints are not saved for container items (For Loop &amp; Foreach Loop).</a:t>
+            </a:r>
+          </a:p>
+        </p:txBody>
+      </p:sp>
+    </p:spTree>
+    <p:extLst>
+      <p:ext uri="{BB962C8B-B14F-4D97-AF65-F5344CB8AC3E}">
+        <p14:creationId xmlns:p14="http://schemas.microsoft.com/office/powerpoint/2010/main" val="2646149193"/>
+      </p:ext>
+    </p:extLst>
+  </p:cSld>
+  <p:clrMapOvr>
+    <a:masterClrMapping/>
+  </p:clrMapOvr>
+  <p:transition>
+    <p:fade/>
+  </p:transition>
+</p:sld>
+</file>
+
+<file path=ppt/slides/slide16.xml><?xml version="1.0" encoding="utf-8"?>
+<p:sld xmlns:a="http://schemas.openxmlformats.org/drawingml/2006/main" xmlns:r="http://schemas.openxmlformats.org/officeDocument/2006/relationships" xmlns:p="http://schemas.openxmlformats.org/presentationml/2006/main">
+  <p:cSld>
+    <p:spTree>
+      <p:nvGrpSpPr>
+        <p:cNvPr id="1" name=""/>
+        <p:cNvGrpSpPr/>
+        <p:nvPr/>
+      </p:nvGrpSpPr>
+      <p:grpSpPr>
+        <a:xfrm>
+          <a:off x="0" y="0"/>
+          <a:ext cx="0" cy="0"/>
+          <a:chOff x="0" y="0"/>
+          <a:chExt cx="0" cy="0"/>
+        </a:xfrm>
+      </p:grpSpPr>
+      <p:sp>
+        <p:nvSpPr>
+          <p:cNvPr id="2" name="Title 1">
+            <a:extLst>
+              <a:ext uri="{FF2B5EF4-FFF2-40B4-BE49-F238E27FC236}">
+                <a16:creationId xmlns:a16="http://schemas.microsoft.com/office/drawing/2014/main" id="{45C23F5C-B812-40E7-AE95-307DD922EB9D}"/>
+              </a:ext>
+            </a:extLst>
+          </p:cNvPr>
+          <p:cNvSpPr>
+            <a:spLocks noGrp="1"/>
+          </p:cNvSpPr>
+          <p:nvPr>
+            <p:ph type="title"/>
+          </p:nvPr>
+        </p:nvSpPr>
+        <p:spPr/>
+        <p:txBody>
+          <a:bodyPr/>
+          <a:lstStyle/>
+          <a:p>
+            <a:r>
+              <a:rPr lang="en-CA" dirty="0"/>
               <a:t>Implementing </a:t>
             </a:r>
             <a:r>
@@ -22450,14 +23120,14 @@
           <p:nvPr>
             <p:extLst>
               <p:ext uri="{D42A27DB-BD31-4B8C-83A1-F6EECF244321}">
-                <p14:modId xmlns:p14="http://schemas.microsoft.com/office/powerpoint/2010/main" val="519840007"/>
+                <p14:modId xmlns:p14="http://schemas.microsoft.com/office/powerpoint/2010/main" val="1961598520"/>
               </p:ext>
             </p:extLst>
           </p:nvPr>
         </p:nvGraphicFramePr>
         <p:xfrm>
           <a:off x="427038" y="1287462"/>
-          <a:ext cx="11506200" cy="4211320"/>
+          <a:ext cx="11506200" cy="3327400"/>
         </p:xfrm>
         <a:graphic>
           <a:graphicData uri="http://schemas.openxmlformats.org/drawingml/2006/table">
@@ -22538,10 +23208,10 @@
                         <a:defRPr/>
                       </a:pPr>
                       <a:r>
-                        <a:rPr lang="en-US" dirty="0" err="1"/>
+                        <a:rPr lang="en-US" sz="1600" dirty="0" err="1"/>
                         <a:t>CheckpointFileName</a:t>
                       </a:r>
-                      <a:endParaRPr lang="en-CA" dirty="0"/>
+                      <a:endParaRPr lang="en-CA" sz="1600" dirty="0"/>
                     </a:p>
                   </a:txBody>
                   <a:tcPr/>
@@ -22552,7 +23222,7 @@
                     <a:lstStyle/>
                     <a:p>
                       <a:r>
-                        <a:rPr lang="en-US" dirty="0"/>
+                        <a:rPr lang="en-US" sz="1600" dirty="0"/>
                         <a:t>Contain information about the package state, including the current values of variables.  </a:t>
                       </a:r>
                     </a:p>
@@ -22562,7 +23232,7 @@
                         <a:buChar char="•"/>
                       </a:pPr>
                       <a:r>
-                        <a:rPr lang="en-US" dirty="0"/>
+                        <a:rPr lang="en-US" sz="1600" dirty="0"/>
                         <a:t>Package Level protection does not protect checkpoint files. </a:t>
                       </a:r>
                     </a:p>
@@ -22572,7 +23242,7 @@
                         <a:buChar char="•"/>
                       </a:pPr>
                       <a:r>
-                        <a:rPr lang="en-US" dirty="0"/>
+                        <a:rPr lang="en-US" sz="1600" dirty="0"/>
                         <a:t>Can contain sensitive values. </a:t>
                       </a:r>
                     </a:p>
@@ -22582,7 +23252,7 @@
                         <a:buChar char="•"/>
                       </a:pPr>
                       <a:r>
-                        <a:rPr lang="en-US" b="1" dirty="0"/>
+                        <a:rPr lang="en-US" sz="1600" b="1" dirty="0"/>
                         <a:t>Use an operating system access control list (ACL) to secure the location or folder where you store the file </a:t>
                       </a:r>
                     </a:p>
@@ -22605,18 +23275,26 @@
                         <a:defRPr/>
                       </a:pPr>
                       <a:r>
-                        <a:rPr lang="de-DE" dirty="0"/>
-                        <a:t>Suggestion: @[$Project::CheckPointFilePath] +</a:t>
+                        <a:rPr lang="de-DE" sz="1600" dirty="0"/>
+                        <a:t>Suggestion: @[$Project::CheckpointPath] +</a:t>
                       </a:r>
                       <a:r>
-                        <a:rPr lang="de-DE" b="1" dirty="0"/>
+                        <a:rPr lang="de-DE" sz="1600" b="1" dirty="0"/>
                         <a:t>@[System::PackageName]</a:t>
                       </a:r>
                       <a:r>
-                        <a:rPr lang="de-DE" dirty="0"/>
-                        <a:t> + ".CHK".</a:t>
+                        <a:rPr lang="de-DE" sz="1600" dirty="0"/>
+                        <a:t> + "_SSIS_.CHK" or @[$Project::CheckpointPath] +</a:t>
                       </a:r>
-                      <a:endParaRPr lang="en-CA" dirty="0"/>
+                      <a:r>
+                        <a:rPr lang="de-DE" sz="1600" b="1" dirty="0"/>
+                        <a:t>@[System::PackageName]</a:t>
+                      </a:r>
+                      <a:r>
+                        <a:rPr lang="de-DE" sz="1600" dirty="0"/>
+                        <a:t> + "_SSIS_Checkpoint.xml" </a:t>
+                      </a:r>
+                      <a:endParaRPr lang="en-CA" sz="1600" dirty="0"/>
                     </a:p>
                   </a:txBody>
                   <a:tcPr/>
@@ -22634,18 +23312,18 @@
                     <a:lstStyle/>
                     <a:p>
                       <a:r>
-                        <a:rPr lang="en-US" dirty="0" err="1"/>
+                        <a:rPr lang="en-US" sz="1600" dirty="0" err="1"/>
                         <a:t>CheckpointUsage</a:t>
                       </a:r>
                       <a:r>
-                        <a:rPr lang="en-US" dirty="0"/>
+                        <a:rPr lang="en-US" sz="1600" dirty="0"/>
                         <a:t> =</a:t>
                       </a:r>
                       <a:r>
-                        <a:rPr lang="en-US" b="1" dirty="0" err="1"/>
+                        <a:rPr lang="en-US" sz="1600" b="1" dirty="0" err="1"/>
                         <a:t>IfExists</a:t>
                       </a:r>
-                      <a:endParaRPr lang="en-CA" dirty="0"/>
+                      <a:endParaRPr lang="en-CA" sz="1600" dirty="0"/>
                     </a:p>
                   </a:txBody>
                   <a:tcPr/>
@@ -22656,18 +23334,18 @@
                     <a:lstStyle/>
                     <a:p>
                       <a:r>
-                        <a:rPr lang="en-US" b="0" dirty="0" err="1"/>
+                        <a:rPr lang="en-US" sz="1600" b="0" dirty="0" err="1"/>
                         <a:t>IfExists</a:t>
                       </a:r>
                       <a:r>
-                        <a:rPr lang="en-US" b="0" dirty="0"/>
+                        <a:rPr lang="en-US" sz="1600" b="0" dirty="0"/>
                         <a:t> </a:t>
                       </a:r>
                       <a:r>
-                        <a:rPr lang="en-US" dirty="0"/>
+                        <a:rPr lang="en-US" sz="1600" dirty="0"/>
                         <a:t>means If the checkpoint file exists, the package restarts from the point of the previous execution failure; otherwise, it runs from the start of the package workflow.</a:t>
                       </a:r>
-                      <a:endParaRPr lang="en-CA" dirty="0"/>
+                      <a:endParaRPr lang="en-CA" sz="1600" dirty="0"/>
                     </a:p>
                   </a:txBody>
                   <a:tcPr/>
@@ -22685,18 +23363,18 @@
                     <a:lstStyle/>
                     <a:p>
                       <a:r>
-                        <a:rPr lang="en-US" dirty="0" err="1"/>
+                        <a:rPr lang="en-US" sz="1600" dirty="0" err="1"/>
                         <a:t>SaveCheckpoints</a:t>
                       </a:r>
                       <a:r>
-                        <a:rPr lang="en-US" dirty="0"/>
+                        <a:rPr lang="en-US" sz="1600" dirty="0"/>
                         <a:t> = </a:t>
                       </a:r>
                       <a:r>
-                        <a:rPr lang="en-US" b="1" dirty="0"/>
+                        <a:rPr lang="en-US" sz="1600" b="1" dirty="0"/>
                         <a:t>True</a:t>
                       </a:r>
-                      <a:endParaRPr lang="en-CA" b="1" dirty="0"/>
+                      <a:endParaRPr lang="en-CA" sz="1600" b="1" dirty="0"/>
                     </a:p>
                   </a:txBody>
                   <a:tcPr/>
@@ -22707,10 +23385,10 @@
                     <a:lstStyle/>
                     <a:p>
                       <a:r>
-                        <a:rPr lang="en-US" dirty="0"/>
+                        <a:rPr lang="en-US" sz="1600" dirty="0"/>
                         <a:t>Indicates whether the package saves checkpoints. This property must be set to True to restart a package from a point of failure.</a:t>
                       </a:r>
-                      <a:endParaRPr lang="en-CA" dirty="0"/>
+                      <a:endParaRPr lang="en-CA" sz="1600" dirty="0"/>
                     </a:p>
                   </a:txBody>
                   <a:tcPr/>
@@ -22740,14 +23418,14 @@
           <p:nvPr>
             <p:extLst>
               <p:ext uri="{D42A27DB-BD31-4B8C-83A1-F6EECF244321}">
-                <p14:modId xmlns:p14="http://schemas.microsoft.com/office/powerpoint/2010/main" val="3319433133"/>
+                <p14:modId xmlns:p14="http://schemas.microsoft.com/office/powerpoint/2010/main" val="175237726"/>
               </p:ext>
             </p:extLst>
           </p:nvPr>
         </p:nvGraphicFramePr>
         <p:xfrm>
-          <a:off x="427038" y="5630862"/>
-          <a:ext cx="11506199" cy="1010920"/>
+          <a:off x="427037" y="4716462"/>
+          <a:ext cx="11506199" cy="1320800"/>
         </p:xfrm>
         <a:graphic>
           <a:graphicData uri="http://schemas.openxmlformats.org/drawingml/2006/table">
@@ -22828,18 +23506,18 @@
                         <a:defRPr/>
                       </a:pPr>
                       <a:r>
-                        <a:rPr lang="en-US" dirty="0" err="1"/>
+                        <a:rPr lang="en-US" sz="1600" dirty="0" err="1"/>
                         <a:t>FailPackageOnFailure</a:t>
                       </a:r>
                       <a:r>
-                        <a:rPr lang="en-US" dirty="0"/>
+                        <a:rPr lang="en-US" sz="1600" dirty="0"/>
                         <a:t> =</a:t>
                       </a:r>
                       <a:r>
-                        <a:rPr lang="en-US" b="1" dirty="0"/>
+                        <a:rPr lang="en-US" sz="1600" b="1" dirty="0"/>
                         <a:t>True</a:t>
                       </a:r>
-                      <a:endParaRPr lang="en-CA" b="1" dirty="0"/>
+                      <a:endParaRPr lang="en-CA" sz="1600" b="1" dirty="0"/>
                     </a:p>
                   </a:txBody>
                   <a:tcPr/>
@@ -22850,14 +23528,14 @@
                     <a:lstStyle/>
                     <a:p>
                       <a:r>
-                        <a:rPr lang="en-US" dirty="0"/>
+                        <a:rPr lang="en-US" sz="1600" dirty="0"/>
                         <a:t>Indicate package fails when executable task fails. </a:t>
                       </a:r>
                     </a:p>
                     <a:p>
                       <a:r>
-                        <a:rPr lang="en-US" b="0" dirty="0"/>
-                        <a:t>Also used to identify restart points if checkpoints are used.</a:t>
+                        <a:rPr lang="en-US" sz="1600" b="0" dirty="0"/>
+                        <a:t>Also used to identify restart points if checkpoints are used.  Must be set to use checkpoints.</a:t>
                       </a:r>
                     </a:p>
                   </a:txBody>
@@ -22866,6 +23544,64 @@
                 <a:extLst>
                   <a:ext uri="{0D108BD9-81ED-4DB2-BD59-A6C34878D82A}">
                     <a16:rowId xmlns:a16="http://schemas.microsoft.com/office/drawing/2014/main" val="2641359381"/>
+                  </a:ext>
+                </a:extLst>
+              </a:tr>
+              <a:tr h="370840">
+                <a:tc>
+                  <a:txBody>
+                    <a:bodyPr/>
+                    <a:lstStyle/>
+                    <a:p>
+                      <a:pPr marL="0" marR="0" lvl="0" indent="0" algn="l" defTabSz="932742" rtl="0" eaLnBrk="1" fontAlgn="auto" latinLnBrk="0" hangingPunct="1">
+                        <a:lnSpc>
+                          <a:spcPct val="100000"/>
+                        </a:lnSpc>
+                        <a:spcBef>
+                          <a:spcPts val="0"/>
+                        </a:spcBef>
+                        <a:spcAft>
+                          <a:spcPts val="0"/>
+                        </a:spcAft>
+                        <a:buClrTx/>
+                        <a:buSzTx/>
+                        <a:buFontTx/>
+                        <a:buNone/>
+                        <a:tabLst/>
+                        <a:defRPr/>
+                      </a:pPr>
+                      <a:r>
+                        <a:rPr lang="en-CA" sz="1600" b="0" dirty="0" err="1"/>
+                        <a:t>FailParentOnFailure</a:t>
+                      </a:r>
+                      <a:r>
+                        <a:rPr lang="en-CA" sz="1600" b="0" dirty="0"/>
+                        <a:t> = </a:t>
+                      </a:r>
+                      <a:r>
+                        <a:rPr lang="en-CA" sz="1600" b="1" dirty="0"/>
+                        <a:t>False</a:t>
+                      </a:r>
+                    </a:p>
+                  </a:txBody>
+                  <a:tcPr/>
+                </a:tc>
+                <a:tc>
+                  <a:txBody>
+                    <a:bodyPr/>
+                    <a:lstStyle/>
+                    <a:p>
+                      <a:r>
+                        <a:rPr lang="en-US" sz="1600" b="0" dirty="0"/>
+                        <a:t>This value should be set to true for containers, such as a sequence.</a:t>
+                      </a:r>
+                    </a:p>
+                  </a:txBody>
+                  <a:tcPr/>
+                </a:tc>
+                <a:extLst>
+                  <a:ext uri="{0D108BD9-81ED-4DB2-BD59-A6C34878D82A}">
+                    <a16:rowId xmlns:a16="http://schemas.microsoft.com/office/drawing/2014/main" val="2805299968"/>
                   </a:ext>
                 </a:extLst>
               </a:tr>
@@ -22889,7 +23625,110 @@
 </p:sld>
 </file>
 
-<file path=ppt/slides/slide14.xml><?xml version="1.0" encoding="utf-8"?>
+<file path=ppt/slides/slide17.xml><?xml version="1.0" encoding="utf-8"?>
+<p:sld xmlns:a="http://schemas.openxmlformats.org/drawingml/2006/main" xmlns:r="http://schemas.openxmlformats.org/officeDocument/2006/relationships" xmlns:p="http://schemas.openxmlformats.org/presentationml/2006/main">
+  <p:cSld>
+    <p:spTree>
+      <p:nvGrpSpPr>
+        <p:cNvPr id="1" name=""/>
+        <p:cNvGrpSpPr/>
+        <p:nvPr/>
+      </p:nvGrpSpPr>
+      <p:grpSpPr>
+        <a:xfrm>
+          <a:off x="0" y="0"/>
+          <a:ext cx="0" cy="0"/>
+          <a:chOff x="0" y="0"/>
+          <a:chExt cx="0" cy="0"/>
+        </a:xfrm>
+      </p:grpSpPr>
+      <p:sp>
+        <p:nvSpPr>
+          <p:cNvPr id="2" name="Title 1">
+            <a:extLst>
+              <a:ext uri="{FF2B5EF4-FFF2-40B4-BE49-F238E27FC236}">
+                <a16:creationId xmlns:a16="http://schemas.microsoft.com/office/drawing/2014/main" id="{3766A788-9C0B-4049-826A-5826D03FECE3}"/>
+              </a:ext>
+            </a:extLst>
+          </p:cNvPr>
+          <p:cNvSpPr>
+            <a:spLocks noGrp="1"/>
+          </p:cNvSpPr>
+          <p:nvPr>
+            <p:ph type="title"/>
+          </p:nvPr>
+        </p:nvSpPr>
+        <p:spPr/>
+        <p:txBody>
+          <a:bodyPr/>
+          <a:lstStyle/>
+          <a:p>
+            <a:r>
+              <a:rPr lang="en-US" sz="6600" dirty="0"/>
+              <a:t>Transactions and Checkpoints</a:t>
+            </a:r>
+          </a:p>
+        </p:txBody>
+      </p:sp>
+      <p:sp>
+        <p:nvSpPr>
+          <p:cNvPr id="3" name="Text Placeholder 2">
+            <a:extLst>
+              <a:ext uri="{FF2B5EF4-FFF2-40B4-BE49-F238E27FC236}">
+                <a16:creationId xmlns:a16="http://schemas.microsoft.com/office/drawing/2014/main" id="{E20EA8CE-646D-4583-842B-663F195425FA}"/>
+              </a:ext>
+            </a:extLst>
+          </p:cNvPr>
+          <p:cNvSpPr>
+            <a:spLocks noGrp="1"/>
+          </p:cNvSpPr>
+          <p:nvPr>
+            <p:ph type="body" sz="quarter" idx="12"/>
+          </p:nvPr>
+        </p:nvSpPr>
+        <p:spPr>
+          <a:xfrm>
+            <a:off x="274637" y="3954462"/>
+            <a:ext cx="10058401" cy="1829593"/>
+          </a:xfrm>
+        </p:spPr>
+        <p:txBody>
+          <a:bodyPr/>
+          <a:lstStyle/>
+          <a:p>
+            <a:r>
+              <a:rPr lang="en-US" dirty="0"/>
+              <a:t>Lab 3</a:t>
+            </a:r>
+          </a:p>
+        </p:txBody>
+      </p:sp>
+    </p:spTree>
+    <p:extLst>
+      <p:ext uri="{BB962C8B-B14F-4D97-AF65-F5344CB8AC3E}">
+        <p14:creationId xmlns:p14="http://schemas.microsoft.com/office/powerpoint/2010/main" val="2103033314"/>
+      </p:ext>
+    </p:extLst>
+  </p:cSld>
+  <p:clrMapOvr>
+    <a:masterClrMapping/>
+  </p:clrMapOvr>
+  <mc:AlternateContent xmlns:mc="http://schemas.openxmlformats.org/markup-compatibility/2006" xmlns:p14="http://schemas.microsoft.com/office/powerpoint/2010/main">
+    <mc:Choice Requires="p14">
+      <p:transition spd="slow" p14:dur="3400">
+        <p14:reveal/>
+      </p:transition>
+    </mc:Choice>
+    <mc:Fallback xmlns="">
+      <p:transition spd="slow">
+        <p:fade/>
+      </p:transition>
+    </mc:Fallback>
+  </mc:AlternateContent>
+</p:sld>
+</file>
+
+<file path=ppt/slides/slide18.xml><?xml version="1.0" encoding="utf-8"?>
 <p:sld xmlns:a="http://schemas.openxmlformats.org/drawingml/2006/main" xmlns:r="http://schemas.openxmlformats.org/officeDocument/2006/relationships" xmlns:p="http://schemas.openxmlformats.org/presentationml/2006/main">
   <p:cSld>
     <p:spTree>
@@ -23412,7 +24251,7 @@
             </a:pPr>
             <a:r>
               <a:rPr lang="en-US" dirty="0"/>
-              <a:t>Fail component (default setting) (e.g. in example, this setting will cause Data Flow Task to fail)</a:t>
+              <a:t>Fail component (default setting) (e.g., in example, this setting will cause Data Flow Task to fail)</a:t>
             </a:r>
           </a:p>
           <a:p>
@@ -23630,6 +24469,109 @@
           <p:cNvPr id="2" name="Title 1">
             <a:extLst>
               <a:ext uri="{FF2B5EF4-FFF2-40B4-BE49-F238E27FC236}">
+                <a16:creationId xmlns:a16="http://schemas.microsoft.com/office/drawing/2014/main" id="{3766A788-9C0B-4049-826A-5826D03FECE3}"/>
+              </a:ext>
+            </a:extLst>
+          </p:cNvPr>
+          <p:cNvSpPr>
+            <a:spLocks noGrp="1"/>
+          </p:cNvSpPr>
+          <p:nvPr>
+            <p:ph type="title"/>
+          </p:nvPr>
+        </p:nvSpPr>
+        <p:spPr/>
+        <p:txBody>
+          <a:bodyPr/>
+          <a:lstStyle/>
+          <a:p>
+            <a:r>
+              <a:rPr lang="en-US" sz="6600" dirty="0"/>
+              <a:t>Error Handling</a:t>
+            </a:r>
+          </a:p>
+        </p:txBody>
+      </p:sp>
+      <p:sp>
+        <p:nvSpPr>
+          <p:cNvPr id="3" name="Text Placeholder 2">
+            <a:extLst>
+              <a:ext uri="{FF2B5EF4-FFF2-40B4-BE49-F238E27FC236}">
+                <a16:creationId xmlns:a16="http://schemas.microsoft.com/office/drawing/2014/main" id="{E20EA8CE-646D-4583-842B-663F195425FA}"/>
+              </a:ext>
+            </a:extLst>
+          </p:cNvPr>
+          <p:cNvSpPr>
+            <a:spLocks noGrp="1"/>
+          </p:cNvSpPr>
+          <p:nvPr>
+            <p:ph type="body" sz="quarter" idx="12"/>
+          </p:nvPr>
+        </p:nvSpPr>
+        <p:spPr>
+          <a:xfrm>
+            <a:off x="274637" y="3954462"/>
+            <a:ext cx="10058401" cy="1829593"/>
+          </a:xfrm>
+        </p:spPr>
+        <p:txBody>
+          <a:bodyPr/>
+          <a:lstStyle/>
+          <a:p>
+            <a:r>
+              <a:rPr lang="en-US" dirty="0"/>
+              <a:t>Lab 1</a:t>
+            </a:r>
+          </a:p>
+        </p:txBody>
+      </p:sp>
+    </p:spTree>
+    <p:extLst>
+      <p:ext uri="{BB962C8B-B14F-4D97-AF65-F5344CB8AC3E}">
+        <p14:creationId xmlns:p14="http://schemas.microsoft.com/office/powerpoint/2010/main" val="747702610"/>
+      </p:ext>
+    </p:extLst>
+  </p:cSld>
+  <p:clrMapOvr>
+    <a:masterClrMapping/>
+  </p:clrMapOvr>
+  <mc:AlternateContent xmlns:mc="http://schemas.openxmlformats.org/markup-compatibility/2006" xmlns:p14="http://schemas.microsoft.com/office/powerpoint/2010/main">
+    <mc:Choice Requires="p14">
+      <p:transition spd="slow" p14:dur="3400">
+        <p14:reveal/>
+      </p:transition>
+    </mc:Choice>
+    <mc:Fallback xmlns="">
+      <p:transition spd="slow">
+        <p:fade/>
+      </p:transition>
+    </mc:Fallback>
+  </mc:AlternateContent>
+</p:sld>
+</file>
+
+<file path=ppt/slides/slide7.xml><?xml version="1.0" encoding="utf-8"?>
+<p:sld xmlns:a="http://schemas.openxmlformats.org/drawingml/2006/main" xmlns:r="http://schemas.openxmlformats.org/officeDocument/2006/relationships" xmlns:p="http://schemas.openxmlformats.org/presentationml/2006/main">
+  <p:cSld>
+    <p:spTree>
+      <p:nvGrpSpPr>
+        <p:cNvPr id="1" name=""/>
+        <p:cNvGrpSpPr/>
+        <p:nvPr/>
+      </p:nvGrpSpPr>
+      <p:grpSpPr>
+        <a:xfrm>
+          <a:off x="0" y="0"/>
+          <a:ext cx="0" cy="0"/>
+          <a:chOff x="0" y="0"/>
+          <a:chExt cx="0" cy="0"/>
+        </a:xfrm>
+      </p:grpSpPr>
+      <p:sp>
+        <p:nvSpPr>
+          <p:cNvPr id="2" name="Title 1">
+            <a:extLst>
+              <a:ext uri="{FF2B5EF4-FFF2-40B4-BE49-F238E27FC236}">
                 <a16:creationId xmlns:a16="http://schemas.microsoft.com/office/drawing/2014/main" id="{45C23F5C-B812-40E7-AE95-307DD922EB9D}"/>
               </a:ext>
             </a:extLst>
@@ -23688,7 +24630,7 @@
             <a:pPr lvl="1"/>
             <a:r>
               <a:rPr lang="en-US" dirty="0"/>
-              <a:t>e.g. </a:t>
+              <a:t>e.g., </a:t>
             </a:r>
             <a:r>
               <a:rPr lang="en-US" dirty="0" err="1"/>
@@ -23709,7 +24651,7 @@
             <a:pPr lvl="1"/>
             <a:r>
               <a:rPr lang="en-US" dirty="0"/>
-              <a:t>e.g. perform cleanup operation when error occurs or send email notifications.</a:t>
+              <a:t>e.g., perform cleanup operation when error occurs or send email notifications.</a:t>
             </a:r>
           </a:p>
           <a:p>
@@ -23736,7 +24678,7 @@
 </p:sld>
 </file>
 
-<file path=ppt/slides/slide7.xml><?xml version="1.0" encoding="utf-8"?>
+<file path=ppt/slides/slide8.xml><?xml version="1.0" encoding="utf-8"?>
 <p:sld xmlns:a="http://schemas.openxmlformats.org/drawingml/2006/main" xmlns:r="http://schemas.openxmlformats.org/officeDocument/2006/relationships" xmlns:p="http://schemas.openxmlformats.org/presentationml/2006/main">
   <p:cSld>
     <p:spTree>
@@ -24346,115 +25288,6 @@
 </p:sld>
 </file>
 
-<file path=ppt/slides/slide8.xml><?xml version="1.0" encoding="utf-8"?>
-<p:sld xmlns:a="http://schemas.openxmlformats.org/drawingml/2006/main" xmlns:r="http://schemas.openxmlformats.org/officeDocument/2006/relationships" xmlns:p="http://schemas.openxmlformats.org/presentationml/2006/main">
-  <p:cSld>
-    <p:spTree>
-      <p:nvGrpSpPr>
-        <p:cNvPr id="1" name=""/>
-        <p:cNvGrpSpPr/>
-        <p:nvPr/>
-      </p:nvGrpSpPr>
-      <p:grpSpPr>
-        <a:xfrm>
-          <a:off x="0" y="0"/>
-          <a:ext cx="0" cy="0"/>
-          <a:chOff x="0" y="0"/>
-          <a:chExt cx="0" cy="0"/>
-        </a:xfrm>
-      </p:grpSpPr>
-      <p:sp>
-        <p:nvSpPr>
-          <p:cNvPr id="2" name="Title 1">
-            <a:extLst>
-              <a:ext uri="{FF2B5EF4-FFF2-40B4-BE49-F238E27FC236}">
-                <a16:creationId xmlns:a16="http://schemas.microsoft.com/office/drawing/2014/main" id="{45C23F5C-B812-40E7-AE95-307DD922EB9D}"/>
-              </a:ext>
-            </a:extLst>
-          </p:cNvPr>
-          <p:cNvSpPr>
-            <a:spLocks noGrp="1"/>
-          </p:cNvSpPr>
-          <p:nvPr>
-            <p:ph type="title"/>
-          </p:nvPr>
-        </p:nvSpPr>
-        <p:spPr/>
-        <p:txBody>
-          <a:bodyPr/>
-          <a:lstStyle/>
-          <a:p>
-            <a:r>
-              <a:rPr lang="en-CA" dirty="0"/>
-              <a:t>Event Handler and Container Hierarchy</a:t>
-            </a:r>
-          </a:p>
-        </p:txBody>
-      </p:sp>
-      <p:sp>
-        <p:nvSpPr>
-          <p:cNvPr id="3" name="Text Placeholder 2">
-            <a:extLst>
-              <a:ext uri="{FF2B5EF4-FFF2-40B4-BE49-F238E27FC236}">
-                <a16:creationId xmlns:a16="http://schemas.microsoft.com/office/drawing/2014/main" id="{5263F4B0-A008-47D9-8980-D733423B3F25}"/>
-              </a:ext>
-            </a:extLst>
-          </p:cNvPr>
-          <p:cNvSpPr>
-            <a:spLocks noGrp="1"/>
-          </p:cNvSpPr>
-          <p:nvPr>
-            <p:ph type="body" sz="quarter" idx="10"/>
-          </p:nvPr>
-        </p:nvSpPr>
-        <p:spPr>
-          <a:xfrm>
-            <a:off x="274639" y="1212849"/>
-            <a:ext cx="11887197" cy="3656014"/>
-          </a:xfrm>
-        </p:spPr>
-        <p:txBody>
-          <a:bodyPr/>
-          <a:lstStyle/>
-          <a:p>
-            <a:r>
-              <a:rPr lang="en-US" dirty="0"/>
-              <a:t>If an event has no event handler, the event is raised to the next container up the container hierarchy in a package. </a:t>
-            </a:r>
-          </a:p>
-          <a:p>
-            <a:r>
-              <a:rPr lang="en-US" dirty="0"/>
-              <a:t>If this container has an event handler, the event handler runs in response to the event. </a:t>
-            </a:r>
-          </a:p>
-          <a:p>
-            <a:r>
-              <a:rPr lang="en-US" dirty="0"/>
-              <a:t>If not, the event is raised to the next container up the container hierarchy. </a:t>
-            </a:r>
-          </a:p>
-          <a:p>
-            <a:endParaRPr lang="en-CA" dirty="0"/>
-          </a:p>
-        </p:txBody>
-      </p:sp>
-    </p:spTree>
-    <p:extLst>
-      <p:ext uri="{BB962C8B-B14F-4D97-AF65-F5344CB8AC3E}">
-        <p14:creationId xmlns:p14="http://schemas.microsoft.com/office/powerpoint/2010/main" val="2563105536"/>
-      </p:ext>
-    </p:extLst>
-  </p:cSld>
-  <p:clrMapOvr>
-    <a:masterClrMapping/>
-  </p:clrMapOvr>
-  <p:transition>
-    <p:fade/>
-  </p:transition>
-</p:sld>
-</file>
-
 <file path=ppt/slides/slide9.xml><?xml version="1.0" encoding="utf-8"?>
 <p:sld xmlns:a="http://schemas.openxmlformats.org/drawingml/2006/main" xmlns:r="http://schemas.openxmlformats.org/officeDocument/2006/relationships" xmlns:p="http://schemas.openxmlformats.org/presentationml/2006/main">
   <p:cSld>
@@ -24495,7 +25328,7 @@
           <a:p>
             <a:r>
               <a:rPr lang="en-CA" dirty="0"/>
-              <a:t>Event Handler and Container Hierarchy (Example)</a:t>
+              <a:t>Event Handler and Container Hierarchy</a:t>
             </a:r>
           </a:p>
         </p:txBody>
@@ -24518,8 +25351,8 @@
         </p:nvSpPr>
         <p:spPr>
           <a:xfrm>
-            <a:off x="277006" y="1592262"/>
-            <a:ext cx="6398431" cy="4185761"/>
+            <a:off x="274639" y="1212849"/>
+            <a:ext cx="11887197" cy="3656014"/>
           </a:xfrm>
         </p:spPr>
         <p:txBody>
@@ -24528,43 +25361,19 @@
           <a:p>
             <a:r>
               <a:rPr lang="en-US" dirty="0"/>
-              <a:t>In following example </a:t>
-            </a:r>
-          </a:p>
-          <a:p>
-            <a:pPr lvl="1"/>
+              <a:t>If an event has no event handler, the event is raised to the next container up the container hierarchy in a package. </a:t>
+            </a:r>
+          </a:p>
+          <a:p>
             <a:r>
               <a:rPr lang="en-US" dirty="0"/>
-              <a:t>Package has Execute SQL Task within For </a:t>
-            </a:r>
-            <a:r>
-              <a:rPr lang="en-US" dirty="0" err="1"/>
-              <a:t>For</a:t>
-            </a:r>
+              <a:t>If this container has an event handler, the event handler runs in response to the event. </a:t>
+            </a:r>
+          </a:p>
+          <a:p>
             <a:r>
               <a:rPr lang="en-US" dirty="0"/>
-              <a:t> Loop Container </a:t>
-            </a:r>
-          </a:p>
-          <a:p>
-            <a:pPr lvl="1"/>
-            <a:r>
-              <a:rPr lang="en-US" dirty="0"/>
-              <a:t>Package has </a:t>
-            </a:r>
-            <a:r>
-              <a:rPr lang="en-US" dirty="0" err="1"/>
-              <a:t>OnError</a:t>
-            </a:r>
-            <a:r>
-              <a:rPr lang="en-US" dirty="0"/>
-              <a:t> Event handler defined </a:t>
-            </a:r>
-          </a:p>
-          <a:p>
-            <a:r>
-              <a:rPr lang="en-US" dirty="0"/>
-              <a:t>Notice: how Events are bubbled up until an Event Handler is found.</a:t>
+              <a:t>If not, the event is raised to the next container up the container hierarchy. </a:t>
             </a:r>
           </a:p>
           <a:p>
@@ -24572,70 +25381,10 @@
           </a:p>
         </p:txBody>
       </p:sp>
-      <p:pic>
-        <p:nvPicPr>
-          <p:cNvPr id="5" name="Picture 4">
-            <a:extLst>
-              <a:ext uri="{FF2B5EF4-FFF2-40B4-BE49-F238E27FC236}">
-                <a16:creationId xmlns:a16="http://schemas.microsoft.com/office/drawing/2014/main" id="{2AD69B7D-BBA0-49A8-AD97-6CD10C62C9FE}"/>
-              </a:ext>
-            </a:extLst>
-          </p:cNvPr>
-          <p:cNvPicPr>
-            <a:picLocks noChangeAspect="1"/>
-          </p:cNvPicPr>
-          <p:nvPr/>
-        </p:nvPicPr>
-        <p:blipFill>
-          <a:blip r:embed="rId3"/>
-          <a:stretch>
-            <a:fillRect/>
-          </a:stretch>
-        </p:blipFill>
-        <p:spPr>
-          <a:xfrm>
-            <a:off x="9837723" y="906462"/>
-            <a:ext cx="2109787" cy="1806221"/>
-          </a:xfrm>
-          <a:prstGeom prst="rect">
-            <a:avLst/>
-          </a:prstGeom>
-        </p:spPr>
-      </p:pic>
-      <p:pic>
-        <p:nvPicPr>
-          <p:cNvPr id="8" name="Picture 7">
-            <a:extLst>
-              <a:ext uri="{FF2B5EF4-FFF2-40B4-BE49-F238E27FC236}">
-                <a16:creationId xmlns:a16="http://schemas.microsoft.com/office/drawing/2014/main" id="{7A8C905E-1028-4BE6-A9D9-89DA8D7947C6}"/>
-              </a:ext>
-            </a:extLst>
-          </p:cNvPr>
-          <p:cNvPicPr>
-            <a:picLocks noChangeAspect="1"/>
-          </p:cNvPicPr>
-          <p:nvPr/>
-        </p:nvPicPr>
-        <p:blipFill>
-          <a:blip r:embed="rId4"/>
-          <a:stretch>
-            <a:fillRect/>
-          </a:stretch>
-        </p:blipFill>
-        <p:spPr>
-          <a:xfrm>
-            <a:off x="8351837" y="3002975"/>
-            <a:ext cx="3888588" cy="3943666"/>
-          </a:xfrm>
-          <a:prstGeom prst="rect">
-            <a:avLst/>
-          </a:prstGeom>
-        </p:spPr>
-      </p:pic>
     </p:spTree>
     <p:extLst>
       <p:ext uri="{BB962C8B-B14F-4D97-AF65-F5344CB8AC3E}">
-        <p14:creationId xmlns:p14="http://schemas.microsoft.com/office/powerpoint/2010/main" val="712768142"/>
+        <p14:creationId xmlns:p14="http://schemas.microsoft.com/office/powerpoint/2010/main" val="2563105536"/>
       </p:ext>
     </p:extLst>
   </p:cSld>
@@ -26435,65 +27184,6 @@
 </file>
 
 <file path=customXml/item2.xml><?xml version="1.0" encoding="utf-8"?>
-<?mso-contentType ?>
-<spe:Receivers xmlns:spe="http://schemas.microsoft.com/sharepoint/events">
-  <Receiver>
-    <Name>Document ID Generator</Name>
-    <Synchronization>Synchronous</Synchronization>
-    <Type>10001</Type>
-    <SequenceNumber>1000</SequenceNumber>
-    <Url/>
-    <Assembly>Microsoft.Office.DocumentManagement, Version=16.0.0.0, Culture=neutral, PublicKeyToken=71e9bce111e9429c</Assembly>
-    <Class>Microsoft.Office.DocumentManagement.Internal.DocIdHandler</Class>
-    <Data/>
-    <Filter/>
-  </Receiver>
-  <Receiver>
-    <Name>Document ID Generator</Name>
-    <Synchronization>Synchronous</Synchronization>
-    <Type>10002</Type>
-    <SequenceNumber>1001</SequenceNumber>
-    <Url/>
-    <Assembly>Microsoft.Office.DocumentManagement, Version=16.0.0.0, Culture=neutral, PublicKeyToken=71e9bce111e9429c</Assembly>
-    <Class>Microsoft.Office.DocumentManagement.Internal.DocIdHandler</Class>
-    <Data/>
-    <Filter/>
-  </Receiver>
-  <Receiver>
-    <Name>Document ID Generator</Name>
-    <Synchronization>Synchronous</Synchronization>
-    <Type>10004</Type>
-    <SequenceNumber>1002</SequenceNumber>
-    <Url/>
-    <Assembly>Microsoft.Office.DocumentManagement, Version=16.0.0.0, Culture=neutral, PublicKeyToken=71e9bce111e9429c</Assembly>
-    <Class>Microsoft.Office.DocumentManagement.Internal.DocIdHandler</Class>
-    <Data/>
-    <Filter/>
-  </Receiver>
-  <Receiver>
-    <Name>Document ID Generator</Name>
-    <Synchronization>Synchronous</Synchronization>
-    <Type>10006</Type>
-    <SequenceNumber>1003</SequenceNumber>
-    <Url/>
-    <Assembly>Microsoft.Office.DocumentManagement, Version=16.0.0.0, Culture=neutral, PublicKeyToken=71e9bce111e9429c</Assembly>
-    <Class>Microsoft.Office.DocumentManagement.Internal.DocIdHandler</Class>
-    <Data/>
-    <Filter/>
-  </Receiver>
-</spe:Receivers>
-</file>
-
-<file path=customXml/item3.xml><?xml version="1.0" encoding="utf-8"?>
-<?mso-contentType ?>
-<FormTemplates xmlns="http://schemas.microsoft.com/sharepoint/v3/contenttype/forms">
-  <Display>DocumentLibraryForm</Display>
-  <Edit>DocumentLibraryForm</Edit>
-  <New>DocumentLibraryForm</New>
-</FormTemplates>
-</file>
-
-<file path=customXml/item4.xml><?xml version="1.0" encoding="utf-8"?>
 <ct:contentTypeSchema xmlns:ct="http://schemas.microsoft.com/office/2006/metadata/contentType" xmlns:ma="http://schemas.microsoft.com/office/2006/metadata/properties/metaAttributes" ct:_="" ma:_="" ma:contentTypeName="Document" ma:contentTypeID="0x010100E159D276C0CB3447A69A9CE69396C846" ma:contentTypeVersion="2" ma:contentTypeDescription="Create a new document." ma:contentTypeScope="" ma:versionID="1dc5f255bb5d53da19c6b9c45c545005">
   <xsd:schema xmlns:xsd="http://www.w3.org/2001/XMLSchema" xmlns:xs="http://www.w3.org/2001/XMLSchema" xmlns:p="http://schemas.microsoft.com/office/2006/metadata/properties" xmlns:ns2="230e9df3-be65-4c73-a93b-d1236ebd677e" xmlns:ns3="4b6e114e-4d2a-4f10-9268-ba081d6f28ac" targetNamespace="http://schemas.microsoft.com/office/2006/metadata/properties" ma:root="true" ma:fieldsID="2caf596d414b9a9a356b58e82e2d1a15" ns2:_="" ns3:_="">
     <xsd:import namespace="230e9df3-be65-4c73-a93b-d1236ebd677e"/>
@@ -26655,6 +27345,65 @@
 </ct:contentTypeSchema>
 </file>
 
+<file path=customXml/item3.xml><?xml version="1.0" encoding="utf-8"?>
+<?mso-contentType ?>
+<FormTemplates xmlns="http://schemas.microsoft.com/sharepoint/v3/contenttype/forms">
+  <Display>DocumentLibraryForm</Display>
+  <Edit>DocumentLibraryForm</Edit>
+  <New>DocumentLibraryForm</New>
+</FormTemplates>
+</file>
+
+<file path=customXml/item4.xml><?xml version="1.0" encoding="utf-8"?>
+<?mso-contentType ?>
+<spe:Receivers xmlns:spe="http://schemas.microsoft.com/sharepoint/events">
+  <Receiver>
+    <Name>Document ID Generator</Name>
+    <Synchronization>Synchronous</Synchronization>
+    <Type>10001</Type>
+    <SequenceNumber>1000</SequenceNumber>
+    <Url/>
+    <Assembly>Microsoft.Office.DocumentManagement, Version=16.0.0.0, Culture=neutral, PublicKeyToken=71e9bce111e9429c</Assembly>
+    <Class>Microsoft.Office.DocumentManagement.Internal.DocIdHandler</Class>
+    <Data/>
+    <Filter/>
+  </Receiver>
+  <Receiver>
+    <Name>Document ID Generator</Name>
+    <Synchronization>Synchronous</Synchronization>
+    <Type>10002</Type>
+    <SequenceNumber>1001</SequenceNumber>
+    <Url/>
+    <Assembly>Microsoft.Office.DocumentManagement, Version=16.0.0.0, Culture=neutral, PublicKeyToken=71e9bce111e9429c</Assembly>
+    <Class>Microsoft.Office.DocumentManagement.Internal.DocIdHandler</Class>
+    <Data/>
+    <Filter/>
+  </Receiver>
+  <Receiver>
+    <Name>Document ID Generator</Name>
+    <Synchronization>Synchronous</Synchronization>
+    <Type>10004</Type>
+    <SequenceNumber>1002</SequenceNumber>
+    <Url/>
+    <Assembly>Microsoft.Office.DocumentManagement, Version=16.0.0.0, Culture=neutral, PublicKeyToken=71e9bce111e9429c</Assembly>
+    <Class>Microsoft.Office.DocumentManagement.Internal.DocIdHandler</Class>
+    <Data/>
+    <Filter/>
+  </Receiver>
+  <Receiver>
+    <Name>Document ID Generator</Name>
+    <Synchronization>Synchronous</Synchronization>
+    <Type>10006</Type>
+    <SequenceNumber>1003</SequenceNumber>
+    <Url/>
+    <Assembly>Microsoft.Office.DocumentManagement, Version=16.0.0.0, Culture=neutral, PublicKeyToken=71e9bce111e9429c</Assembly>
+    <Class>Microsoft.Office.DocumentManagement.Internal.DocIdHandler</Class>
+    <Data/>
+    <Filter/>
+  </Receiver>
+</spe:Receivers>
+</file>
+
 <file path=customXml/itemProps1.xml><?xml version="1.0" encoding="utf-8"?>
 <ds:datastoreItem xmlns:ds="http://schemas.openxmlformats.org/officeDocument/2006/customXml" ds:itemID="{F990F116-B58F-4255-B05B-DA3808E0E5C6}">
   <ds:schemaRefs>
@@ -26673,22 +27422,6 @@
 </file>
 
 <file path=customXml/itemProps2.xml><?xml version="1.0" encoding="utf-8"?>
-<ds:datastoreItem xmlns:ds="http://schemas.openxmlformats.org/officeDocument/2006/customXml" ds:itemID="{FEC9592E-82DD-4399-A4BB-5C49E0F6255D}">
-  <ds:schemaRefs>
-    <ds:schemaRef ds:uri="http://schemas.microsoft.com/sharepoint/events"/>
-  </ds:schemaRefs>
-</ds:datastoreItem>
-</file>
-
-<file path=customXml/itemProps3.xml><?xml version="1.0" encoding="utf-8"?>
-<ds:datastoreItem xmlns:ds="http://schemas.openxmlformats.org/officeDocument/2006/customXml" ds:itemID="{758FDAC0-319D-4A54-8D8E-1D42CB1F8004}">
-  <ds:schemaRefs>
-    <ds:schemaRef ds:uri="http://schemas.microsoft.com/sharepoint/v3/contenttype/forms"/>
-  </ds:schemaRefs>
-</ds:datastoreItem>
-</file>
-
-<file path=customXml/itemProps4.xml><?xml version="1.0" encoding="utf-8"?>
 <ds:datastoreItem xmlns:ds="http://schemas.openxmlformats.org/officeDocument/2006/customXml" ds:itemID="{2694FA73-0B83-4A62-B0E5-A5BFAD5BFAE6}">
   <ds:schemaRefs>
     <ds:schemaRef ds:uri="http://schemas.microsoft.com/office/2006/metadata/contentType"/>
@@ -26705,4 +27438,26 @@
     <ds:schemaRef ds:uri="http://schemas.microsoft.com/internal/obd"/>
   </ds:schemaRefs>
 </ds:datastoreItem>
+</file>
+
+<file path=customXml/itemProps3.xml><?xml version="1.0" encoding="utf-8"?>
+<ds:datastoreItem xmlns:ds="http://schemas.openxmlformats.org/officeDocument/2006/customXml" ds:itemID="{758FDAC0-319D-4A54-8D8E-1D42CB1F8004}">
+  <ds:schemaRefs>
+    <ds:schemaRef ds:uri="http://schemas.microsoft.com/sharepoint/v3/contenttype/forms"/>
+  </ds:schemaRefs>
+</ds:datastoreItem>
+</file>
+
+<file path=customXml/itemProps4.xml><?xml version="1.0" encoding="utf-8"?>
+<ds:datastoreItem xmlns:ds="http://schemas.openxmlformats.org/officeDocument/2006/customXml" ds:itemID="{FEC9592E-82DD-4399-A4BB-5C49E0F6255D}">
+  <ds:schemaRefs>
+    <ds:schemaRef ds:uri="http://schemas.microsoft.com/sharepoint/events"/>
+  </ds:schemaRefs>
+</ds:datastoreItem>
+</file>
+
+<file path=docMetadata/LabelInfo.xml><?xml version="1.0" encoding="utf-8"?>
+<clbl:labelList xmlns:clbl="http://schemas.microsoft.com/office/2020/mipLabelMetadata">
+  <clbl:label id="{f42aa342-8706-4288-bd11-ebb85995028c}" enabled="1" method="Privileged" siteId="{72f988bf-86f1-41af-91ab-2d7cd011db47}" removed="0"/>
+</clbl:labelList>
 </file>